--- a/Prezentacija/Simulacija pozicioniranja autonomnih letjelica u prostoru.pptx
+++ b/Prezentacija/Simulacija pozicioniranja autonomnih letjelica u prostoru.pptx
@@ -5,27 +5,26 @@
     <p:sldMasterId id="2147483708" r:id="rId1"/>
   </p:sldMasterIdLst>
   <p:notesMasterIdLst>
-    <p:notesMasterId r:id="rId20"/>
+    <p:notesMasterId r:id="rId19"/>
   </p:notesMasterIdLst>
   <p:sldIdLst>
     <p:sldId id="256" r:id="rId2"/>
     <p:sldId id="257" r:id="rId3"/>
-    <p:sldId id="258" r:id="rId4"/>
+    <p:sldId id="279" r:id="rId4"/>
     <p:sldId id="259" r:id="rId5"/>
     <p:sldId id="260" r:id="rId6"/>
-    <p:sldId id="261" r:id="rId7"/>
-    <p:sldId id="262" r:id="rId8"/>
-    <p:sldId id="263" r:id="rId9"/>
-    <p:sldId id="265" r:id="rId10"/>
-    <p:sldId id="264" r:id="rId11"/>
-    <p:sldId id="266" r:id="rId12"/>
-    <p:sldId id="268" r:id="rId13"/>
-    <p:sldId id="269" r:id="rId14"/>
-    <p:sldId id="270" r:id="rId15"/>
-    <p:sldId id="271" r:id="rId16"/>
-    <p:sldId id="272" r:id="rId17"/>
-    <p:sldId id="273" r:id="rId18"/>
-    <p:sldId id="276" r:id="rId19"/>
+    <p:sldId id="262" r:id="rId7"/>
+    <p:sldId id="263" r:id="rId8"/>
+    <p:sldId id="265" r:id="rId9"/>
+    <p:sldId id="264" r:id="rId10"/>
+    <p:sldId id="266" r:id="rId11"/>
+    <p:sldId id="268" r:id="rId12"/>
+    <p:sldId id="271" r:id="rId13"/>
+    <p:sldId id="272" r:id="rId14"/>
+    <p:sldId id="273" r:id="rId15"/>
+    <p:sldId id="276" r:id="rId16"/>
+    <p:sldId id="277" r:id="rId17"/>
+    <p:sldId id="278" r:id="rId18"/>
   </p:sldIdLst>
   <p:sldSz cx="12192000" cy="6858000"/>
   <p:notesSz cx="6858000" cy="9144000"/>
@@ -172,7 +171,6 @@
           </a:p>
         </c:rich>
       </c:tx>
-      <c:layout/>
       <c:overlay val="0"/>
       <c:spPr>
         <a:noFill/>
@@ -608,11 +606,11 @@
         </c:dLbls>
         <c:marker val="1"/>
         <c:smooth val="0"/>
-        <c:axId val="-510249856"/>
-        <c:axId val="-510254752"/>
+        <c:axId val="272244816"/>
+        <c:axId val="272247536"/>
       </c:lineChart>
       <c:catAx>
-        <c:axId val="-510249856"/>
+        <c:axId val="272244816"/>
         <c:scaling>
           <c:orientation val="minMax"/>
         </c:scaling>
@@ -718,7 +716,7 @@
             <a:endParaRPr lang="sr-Latn-RS"/>
           </a:p>
         </c:txPr>
-        <c:crossAx val="-510254752"/>
+        <c:crossAx val="272247536"/>
         <c:crosses val="autoZero"/>
         <c:auto val="1"/>
         <c:lblAlgn val="ctr"/>
@@ -726,7 +724,7 @@
         <c:noMultiLvlLbl val="0"/>
       </c:catAx>
       <c:valAx>
-        <c:axId val="-510254752"/>
+        <c:axId val="272247536"/>
         <c:scaling>
           <c:orientation val="minMax"/>
         </c:scaling>
@@ -776,7 +774,6 @@
               </a:p>
             </c:rich>
           </c:tx>
-          <c:layout/>
           <c:overlay val="0"/>
           <c:spPr>
             <a:noFill/>
@@ -837,7 +834,7 @@
             <a:endParaRPr lang="sr-Latn-RS"/>
           </a:p>
         </c:txPr>
-        <c:crossAx val="-510249856"/>
+        <c:crossAx val="272244816"/>
         <c:crosses val="autoZero"/>
         <c:crossBetween val="between"/>
       </c:valAx>
@@ -1542,7 +1539,7 @@
           <a:p>
             <a:fld id="{5AA4D7DC-FBDF-44A9-91E4-84E982F77513}" type="datetimeFigureOut">
               <a:rPr lang="hr-HR" smtClean="0"/>
-              <a:t>13.9.2016.</a:t>
+              <a:t>14.9.2016.</a:t>
             </a:fld>
             <a:endParaRPr lang="hr-HR"/>
           </a:p>
@@ -2727,7 +2724,7 @@
           <a:p>
             <a:fld id="{40DB8C17-B869-4C37-AF0D-C5CA32DB1480}" type="datetimeFigureOut">
               <a:rPr lang="hr-HR" smtClean="0"/>
-              <a:t>13.9.2016.</a:t>
+              <a:t>14.9.2016.</a:t>
             </a:fld>
             <a:endParaRPr lang="hr-HR"/>
           </a:p>
@@ -5457,7 +5454,7 @@
           <a:p>
             <a:fld id="{40DB8C17-B869-4C37-AF0D-C5CA32DB1480}" type="datetimeFigureOut">
               <a:rPr lang="hr-HR" smtClean="0"/>
-              <a:t>13.9.2016.</a:t>
+              <a:t>14.9.2016.</a:t>
             </a:fld>
             <a:endParaRPr lang="hr-HR"/>
           </a:p>
@@ -5637,7 +5634,7 @@
           <a:p>
             <a:fld id="{40DB8C17-B869-4C37-AF0D-C5CA32DB1480}" type="datetimeFigureOut">
               <a:rPr lang="hr-HR" smtClean="0"/>
-              <a:t>13.9.2016.</a:t>
+              <a:t>14.9.2016.</a:t>
             </a:fld>
             <a:endParaRPr lang="hr-HR"/>
           </a:p>
@@ -6083,7 +6080,7 @@
           <a:p>
             <a:fld id="{40DB8C17-B869-4C37-AF0D-C5CA32DB1480}" type="datetimeFigureOut">
               <a:rPr lang="hr-HR" smtClean="0"/>
-              <a:t>13.9.2016.</a:t>
+              <a:t>14.9.2016.</a:t>
             </a:fld>
             <a:endParaRPr lang="hr-HR"/>
           </a:p>
@@ -7134,7 +7131,7 @@
           <a:p>
             <a:fld id="{40DB8C17-B869-4C37-AF0D-C5CA32DB1480}" type="datetimeFigureOut">
               <a:rPr lang="hr-HR" smtClean="0"/>
-              <a:t>13.9.2016.</a:t>
+              <a:t>14.9.2016.</a:t>
             </a:fld>
             <a:endParaRPr lang="hr-HR"/>
           </a:p>
@@ -7366,7 +7363,7 @@
           <a:p>
             <a:fld id="{40DB8C17-B869-4C37-AF0D-C5CA32DB1480}" type="datetimeFigureOut">
               <a:rPr lang="hr-HR" smtClean="0"/>
-              <a:t>13.9.2016.</a:t>
+              <a:t>14.9.2016.</a:t>
             </a:fld>
             <a:endParaRPr lang="hr-HR"/>
           </a:p>
@@ -7733,7 +7730,7 @@
           <a:p>
             <a:fld id="{40DB8C17-B869-4C37-AF0D-C5CA32DB1480}" type="datetimeFigureOut">
               <a:rPr lang="hr-HR" smtClean="0"/>
-              <a:t>13.9.2016.</a:t>
+              <a:t>14.9.2016.</a:t>
             </a:fld>
             <a:endParaRPr lang="hr-HR"/>
           </a:p>
@@ -7851,7 +7848,7 @@
           <a:p>
             <a:fld id="{40DB8C17-B869-4C37-AF0D-C5CA32DB1480}" type="datetimeFigureOut">
               <a:rPr lang="hr-HR" smtClean="0"/>
-              <a:t>13.9.2016.</a:t>
+              <a:t>14.9.2016.</a:t>
             </a:fld>
             <a:endParaRPr lang="hr-HR"/>
           </a:p>
@@ -7946,7 +7943,7 @@
           <a:p>
             <a:fld id="{40DB8C17-B869-4C37-AF0D-C5CA32DB1480}" type="datetimeFigureOut">
               <a:rPr lang="hr-HR" smtClean="0"/>
-              <a:t>13.9.2016.</a:t>
+              <a:t>14.9.2016.</a:t>
             </a:fld>
             <a:endParaRPr lang="hr-HR"/>
           </a:p>
@@ -8223,7 +8220,7 @@
           <a:p>
             <a:fld id="{40DB8C17-B869-4C37-AF0D-C5CA32DB1480}" type="datetimeFigureOut">
               <a:rPr lang="hr-HR" smtClean="0"/>
-              <a:t>13.9.2016.</a:t>
+              <a:t>14.9.2016.</a:t>
             </a:fld>
             <a:endParaRPr lang="hr-HR"/>
           </a:p>
@@ -8476,7 +8473,7 @@
           <a:p>
             <a:fld id="{40DB8C17-B869-4C37-AF0D-C5CA32DB1480}" type="datetimeFigureOut">
               <a:rPr lang="hr-HR" smtClean="0"/>
-              <a:t>13.9.2016.</a:t>
+              <a:t>14.9.2016.</a:t>
             </a:fld>
             <a:endParaRPr lang="hr-HR"/>
           </a:p>
@@ -8692,7 +8689,7 @@
           <a:p>
             <a:fld id="{40DB8C17-B869-4C37-AF0D-C5CA32DB1480}" type="datetimeFigureOut">
               <a:rPr lang="hr-HR" smtClean="0"/>
-              <a:t>13.9.2016.</a:t>
+              <a:t>14.9.2016.</a:t>
             </a:fld>
             <a:endParaRPr lang="hr-HR"/>
           </a:p>
@@ -9333,1257 +9330,6 @@
       </p:grpSpPr>
       <p:sp>
         <p:nvSpPr>
-          <p:cNvPr id="2" name="Title 1"/>
-          <p:cNvSpPr>
-            <a:spLocks noGrp="1"/>
-          </p:cNvSpPr>
-          <p:nvPr>
-            <p:ph type="title"/>
-          </p:nvPr>
-        </p:nvSpPr>
-        <p:spPr/>
-        <p:txBody>
-          <a:bodyPr/>
-          <a:lstStyle/>
-          <a:p>
-            <a:r>
-              <a:rPr lang="hr-HR" dirty="0" smtClean="0"/>
-              <a:t>Algoritam za korekciju</a:t>
-            </a:r>
-            <a:endParaRPr lang="hr-HR" dirty="0"/>
-          </a:p>
-        </p:txBody>
-      </p:sp>
-      <p:sp>
-        <p:nvSpPr>
-          <p:cNvPr id="3" name="Content Placeholder 2"/>
-          <p:cNvSpPr>
-            <a:spLocks noGrp="1"/>
-          </p:cNvSpPr>
-          <p:nvPr>
-            <p:ph idx="1"/>
-          </p:nvPr>
-        </p:nvSpPr>
-        <p:spPr>
-          <a:xfrm>
-            <a:off x="1105704" y="1451076"/>
-            <a:ext cx="10248096" cy="1650689"/>
-          </a:xfrm>
-        </p:spPr>
-        <p:txBody>
-          <a:bodyPr>
-            <a:normAutofit/>
-          </a:bodyPr>
-          <a:lstStyle/>
-          <a:p>
-            <a:r>
-              <a:rPr lang="hr-HR" dirty="0" smtClean="0"/>
-              <a:t>Pseudokod algoritma:</a:t>
-            </a:r>
-          </a:p>
-          <a:p>
-            <a:pPr marL="914400" lvl="1" indent="-457200">
-              <a:buFont typeface="+mj-lt"/>
-              <a:buAutoNum type="arabicPeriod" startAt="3"/>
-            </a:pPr>
-            <a:r>
-              <a:rPr lang="hr-HR" dirty="0"/>
-              <a:t>za svaki vidljivi čvor učini sljedeće:</a:t>
-            </a:r>
-          </a:p>
-          <a:p>
-            <a:pPr marL="1371600" lvl="2" indent="-457200">
-              <a:buFont typeface="+mj-lt"/>
-              <a:buAutoNum type="alphaLcParenR"/>
-            </a:pPr>
-            <a:r>
-              <a:rPr lang="hr-HR" dirty="0"/>
-              <a:t>pomoću očitane jačine signala izračunaj udaljenost do vidljivog </a:t>
-            </a:r>
-            <a:r>
-              <a:rPr lang="hr-HR" dirty="0" smtClean="0"/>
-              <a:t>čvora</a:t>
-            </a:r>
-          </a:p>
-          <a:p>
-            <a:pPr marL="1371600" lvl="2" indent="-457200">
-              <a:buFont typeface="+mj-lt"/>
-              <a:buAutoNum type="alphaLcParenR"/>
-            </a:pPr>
-            <a:r>
-              <a:rPr lang="hr-HR" dirty="0"/>
-              <a:t>prihvati podatke o lokaciji vidljivog čvora</a:t>
-            </a:r>
-          </a:p>
-          <a:p>
-            <a:pPr marL="1371600" lvl="2" indent="-457200">
-              <a:buFont typeface="+mj-lt"/>
-              <a:buAutoNum type="alphaLcParenR"/>
-            </a:pPr>
-            <a:endParaRPr lang="hr-HR" dirty="0"/>
-          </a:p>
-        </p:txBody>
-      </p:sp>
-      <p:sp>
-        <p:nvSpPr>
-          <p:cNvPr id="5" name="Oval 4"/>
-          <p:cNvSpPr/>
-          <p:nvPr/>
-        </p:nvSpPr>
-        <p:spPr>
-          <a:xfrm flipH="1">
-            <a:off x="4977928" y="3814019"/>
-            <a:ext cx="153824" cy="153824"/>
-          </a:xfrm>
-          <a:prstGeom prst="ellipse">
-            <a:avLst/>
-          </a:prstGeom>
-          <a:solidFill>
-            <a:schemeClr val="tx1"/>
-          </a:solidFill>
-          <a:ln>
-            <a:noFill/>
-          </a:ln>
-        </p:spPr>
-        <p:style>
-          <a:lnRef idx="2">
-            <a:schemeClr val="dk1">
-              <a:shade val="50000"/>
-            </a:schemeClr>
-          </a:lnRef>
-          <a:fillRef idx="1">
-            <a:schemeClr val="dk1"/>
-          </a:fillRef>
-          <a:effectRef idx="0">
-            <a:schemeClr val="dk1"/>
-          </a:effectRef>
-          <a:fontRef idx="minor">
-            <a:schemeClr val="lt1"/>
-          </a:fontRef>
-        </p:style>
-        <p:txBody>
-          <a:bodyPr rtlCol="0" anchor="ctr"/>
-          <a:lstStyle/>
-          <a:p>
-            <a:pPr algn="ctr"/>
-            <a:endParaRPr lang="hr-HR"/>
-          </a:p>
-        </p:txBody>
-      </p:sp>
-      <p:sp>
-        <p:nvSpPr>
-          <p:cNvPr id="6" name="Oval 5"/>
-          <p:cNvSpPr/>
-          <p:nvPr/>
-        </p:nvSpPr>
-        <p:spPr>
-          <a:xfrm flipH="1">
-            <a:off x="6870376" y="5782656"/>
-            <a:ext cx="153824" cy="153824"/>
-          </a:xfrm>
-          <a:prstGeom prst="ellipse">
-            <a:avLst/>
-          </a:prstGeom>
-          <a:solidFill>
-            <a:schemeClr val="tx1"/>
-          </a:solidFill>
-          <a:ln>
-            <a:noFill/>
-          </a:ln>
-        </p:spPr>
-        <p:style>
-          <a:lnRef idx="2">
-            <a:schemeClr val="dk1">
-              <a:shade val="50000"/>
-            </a:schemeClr>
-          </a:lnRef>
-          <a:fillRef idx="1">
-            <a:schemeClr val="dk1"/>
-          </a:fillRef>
-          <a:effectRef idx="0">
-            <a:schemeClr val="dk1"/>
-          </a:effectRef>
-          <a:fontRef idx="minor">
-            <a:schemeClr val="lt1"/>
-          </a:fontRef>
-        </p:style>
-        <p:txBody>
-          <a:bodyPr rtlCol="0" anchor="ctr"/>
-          <a:lstStyle/>
-          <a:p>
-            <a:pPr algn="ctr"/>
-            <a:endParaRPr lang="hr-HR"/>
-          </a:p>
-        </p:txBody>
-      </p:sp>
-      <p:sp>
-        <p:nvSpPr>
-          <p:cNvPr id="7" name="Oval 6"/>
-          <p:cNvSpPr/>
-          <p:nvPr/>
-        </p:nvSpPr>
-        <p:spPr>
-          <a:xfrm flipH="1">
-            <a:off x="3469595" y="5170208"/>
-            <a:ext cx="153824" cy="153824"/>
-          </a:xfrm>
-          <a:prstGeom prst="ellipse">
-            <a:avLst/>
-          </a:prstGeom>
-          <a:solidFill>
-            <a:schemeClr val="tx2"/>
-          </a:solidFill>
-          <a:ln>
-            <a:noFill/>
-          </a:ln>
-        </p:spPr>
-        <p:style>
-          <a:lnRef idx="2">
-            <a:schemeClr val="dk1">
-              <a:shade val="50000"/>
-            </a:schemeClr>
-          </a:lnRef>
-          <a:fillRef idx="1">
-            <a:schemeClr val="dk1"/>
-          </a:fillRef>
-          <a:effectRef idx="0">
-            <a:schemeClr val="dk1"/>
-          </a:effectRef>
-          <a:fontRef idx="minor">
-            <a:schemeClr val="lt1"/>
-          </a:fontRef>
-        </p:style>
-        <p:txBody>
-          <a:bodyPr rtlCol="0" anchor="ctr"/>
-          <a:lstStyle/>
-          <a:p>
-            <a:pPr algn="ctr"/>
-            <a:endParaRPr lang="hr-HR"/>
-          </a:p>
-        </p:txBody>
-      </p:sp>
-      <p:sp>
-        <p:nvSpPr>
-          <p:cNvPr id="8" name="TextBox 7"/>
-          <p:cNvSpPr txBox="1"/>
-          <p:nvPr/>
-        </p:nvSpPr>
-        <p:spPr>
-          <a:xfrm>
-            <a:off x="3273041" y="5444384"/>
-            <a:ext cx="350378" cy="369332"/>
-          </a:xfrm>
-          <a:prstGeom prst="rect">
-            <a:avLst/>
-          </a:prstGeom>
-          <a:noFill/>
-        </p:spPr>
-        <p:txBody>
-          <a:bodyPr wrap="square" rtlCol="0">
-            <a:spAutoFit/>
-          </a:bodyPr>
-          <a:lstStyle/>
-          <a:p>
-            <a:r>
-              <a:rPr lang="hr-HR" b="1" dirty="0" smtClean="0">
-                <a:solidFill>
-                  <a:schemeClr val="tx2">
-                    <a:lumMod val="75000"/>
-                  </a:schemeClr>
-                </a:solidFill>
-              </a:rPr>
-              <a:t>A</a:t>
-            </a:r>
-            <a:endParaRPr lang="hr-HR" b="1" dirty="0">
-              <a:solidFill>
-                <a:schemeClr val="tx2">
-                  <a:lumMod val="75000"/>
-                </a:schemeClr>
-              </a:solidFill>
-            </a:endParaRPr>
-          </a:p>
-        </p:txBody>
-      </p:sp>
-      <p:sp>
-        <p:nvSpPr>
-          <p:cNvPr id="9" name="TextBox 8"/>
-          <p:cNvSpPr txBox="1"/>
-          <p:nvPr/>
-        </p:nvSpPr>
-        <p:spPr>
-          <a:xfrm>
-            <a:off x="6998565" y="5884056"/>
-            <a:ext cx="350378" cy="369332"/>
-          </a:xfrm>
-          <a:prstGeom prst="rect">
-            <a:avLst/>
-          </a:prstGeom>
-          <a:noFill/>
-        </p:spPr>
-        <p:txBody>
-          <a:bodyPr wrap="square" rtlCol="0">
-            <a:spAutoFit/>
-          </a:bodyPr>
-          <a:lstStyle/>
-          <a:p>
-            <a:r>
-              <a:rPr lang="hr-HR" b="1" dirty="0" smtClean="0"/>
-              <a:t>C</a:t>
-            </a:r>
-            <a:endParaRPr lang="hr-HR" b="1" dirty="0"/>
-          </a:p>
-        </p:txBody>
-      </p:sp>
-      <p:sp>
-        <p:nvSpPr>
-          <p:cNvPr id="10" name="TextBox 9"/>
-          <p:cNvSpPr txBox="1"/>
-          <p:nvPr/>
-        </p:nvSpPr>
-        <p:spPr>
-          <a:xfrm>
-            <a:off x="5113238" y="3452301"/>
-            <a:ext cx="350378" cy="369332"/>
-          </a:xfrm>
-          <a:prstGeom prst="rect">
-            <a:avLst/>
-          </a:prstGeom>
-          <a:noFill/>
-        </p:spPr>
-        <p:txBody>
-          <a:bodyPr wrap="square" rtlCol="0">
-            <a:spAutoFit/>
-          </a:bodyPr>
-          <a:lstStyle/>
-          <a:p>
-            <a:r>
-              <a:rPr lang="hr-HR" b="1" dirty="0" smtClean="0"/>
-              <a:t>B</a:t>
-            </a:r>
-            <a:endParaRPr lang="hr-HR" b="1" dirty="0"/>
-          </a:p>
-        </p:txBody>
-      </p:sp>
-      <p:sp>
-        <p:nvSpPr>
-          <p:cNvPr id="16" name="TextBox 15"/>
-          <p:cNvSpPr txBox="1"/>
-          <p:nvPr/>
-        </p:nvSpPr>
-        <p:spPr>
-          <a:xfrm>
-            <a:off x="405925" y="3578804"/>
-            <a:ext cx="863125" cy="584775"/>
-          </a:xfrm>
-          <a:prstGeom prst="rect">
-            <a:avLst/>
-          </a:prstGeom>
-          <a:noFill/>
-        </p:spPr>
-        <p:txBody>
-          <a:bodyPr wrap="square" rtlCol="0">
-            <a:spAutoFit/>
-          </a:bodyPr>
-          <a:lstStyle/>
-          <a:p>
-            <a:r>
-              <a:rPr lang="hr-HR" sz="1600" dirty="0" smtClean="0"/>
-              <a:t>Vidljivi</a:t>
-            </a:r>
-            <a:br>
-              <a:rPr lang="hr-HR" sz="1600" dirty="0" smtClean="0"/>
-            </a:br>
-            <a:r>
-              <a:rPr lang="hr-HR" sz="1600" dirty="0" smtClean="0"/>
-              <a:t>Dronovi</a:t>
-            </a:r>
-            <a:endParaRPr lang="hr-HR" sz="1600" dirty="0"/>
-          </a:p>
-        </p:txBody>
-      </p:sp>
-      <mc:AlternateContent xmlns:mc="http://schemas.openxmlformats.org/markup-compatibility/2006" xmlns:a14="http://schemas.microsoft.com/office/drawing/2010/main">
-        <mc:Choice Requires="a14">
-          <p:sp>
-            <p:nvSpPr>
-              <p:cNvPr id="26" name="Rectangle 25"/>
-              <p:cNvSpPr/>
-              <p:nvPr/>
-            </p:nvSpPr>
-            <p:spPr>
-              <a:xfrm>
-                <a:off x="326221" y="6068722"/>
-                <a:ext cx="3122009" cy="511807"/>
-              </a:xfrm>
-              <a:prstGeom prst="rect">
-                <a:avLst/>
-              </a:prstGeom>
-            </p:spPr>
-            <p:txBody>
-              <a:bodyPr wrap="none">
-                <a:spAutoFit/>
-              </a:bodyPr>
-              <a:lstStyle/>
-              <a:p>
-                <a:pPr/>
-                <a14:m>
-                  <m:oMathPara xmlns:m="http://schemas.openxmlformats.org/officeDocument/2006/math">
-                    <m:oMathParaPr>
-                      <m:jc m:val="centerGroup"/>
-                    </m:oMathParaPr>
-                    <m:oMath xmlns:m="http://schemas.openxmlformats.org/officeDocument/2006/math">
-                      <m:r>
-                        <a:rPr lang="hr-HR" i="1">
-                          <a:latin typeface="Cambria Math" panose="02040503050406030204" pitchFamily="18" charset="0"/>
-                        </a:rPr>
-                        <m:t>𝑟</m:t>
-                      </m:r>
-                      <m:r>
-                        <a:rPr lang="hr-HR" i="1">
-                          <a:latin typeface="Cambria Math" panose="02040503050406030204" pitchFamily="18" charset="0"/>
-                        </a:rPr>
-                        <m:t>=</m:t>
-                      </m:r>
-                      <m:sSup>
-                        <m:sSupPr>
-                          <m:ctrlPr>
-                            <a:rPr lang="hr-HR" i="1">
-                              <a:latin typeface="Cambria Math" panose="02040503050406030204" pitchFamily="18" charset="0"/>
-                            </a:rPr>
-                          </m:ctrlPr>
-                        </m:sSupPr>
-                        <m:e>
-                          <m:r>
-                            <a:rPr lang="hr-HR" i="1">
-                              <a:latin typeface="Cambria Math" panose="02040503050406030204" pitchFamily="18" charset="0"/>
-                            </a:rPr>
-                            <m:t>10</m:t>
-                          </m:r>
-                        </m:e>
-                        <m:sup>
-                          <m:f>
-                            <m:fPr>
-                              <m:ctrlPr>
-                                <a:rPr lang="hr-HR" i="1">
-                                  <a:latin typeface="Cambria Math" panose="02040503050406030204" pitchFamily="18" charset="0"/>
-                                </a:rPr>
-                              </m:ctrlPr>
-                            </m:fPr>
-                            <m:num>
-                              <m:func>
-                                <m:funcPr>
-                                  <m:ctrlPr>
-                                    <a:rPr lang="hr-HR" i="1">
-                                      <a:latin typeface="Cambria Math" panose="02040503050406030204" pitchFamily="18" charset="0"/>
-                                    </a:rPr>
-                                  </m:ctrlPr>
-                                </m:funcPr>
-                                <m:fName>
-                                  <m:r>
-                                    <m:rPr>
-                                      <m:sty m:val="p"/>
-                                    </m:rPr>
-                                    <a:rPr lang="hr-HR">
-                                      <a:latin typeface="Cambria Math" panose="02040503050406030204" pitchFamily="18" charset="0"/>
-                                    </a:rPr>
-                                    <m:t>ln</m:t>
-                                  </m:r>
-                                </m:fName>
-                                <m:e>
-                                  <m:r>
-                                    <a:rPr lang="hr-HR" i="1">
-                                      <a:latin typeface="Cambria Math" panose="02040503050406030204" pitchFamily="18" charset="0"/>
-                                    </a:rPr>
-                                    <m:t>(10)</m:t>
-                                  </m:r>
-                                </m:e>
-                              </m:func>
-                              <m:r>
-                                <a:rPr lang="hr-HR" i="1">
-                                  <a:latin typeface="Cambria Math" panose="02040503050406030204" pitchFamily="18" charset="0"/>
-                                </a:rPr>
-                                <m:t>×(</m:t>
-                              </m:r>
-                              <m:r>
-                                <a:rPr lang="hr-HR" i="1">
-                                  <a:latin typeface="Cambria Math" panose="02040503050406030204" pitchFamily="18" charset="0"/>
-                                </a:rPr>
-                                <m:t>𝑇</m:t>
-                              </m:r>
-                              <m:r>
-                                <a:rPr lang="hr-HR" i="1">
-                                  <a:latin typeface="Cambria Math" panose="02040503050406030204" pitchFamily="18" charset="0"/>
-                                </a:rPr>
-                                <m:t>−</m:t>
-                              </m:r>
-                              <m:r>
-                                <a:rPr lang="hr-HR" i="1">
-                                  <a:latin typeface="Cambria Math" panose="02040503050406030204" pitchFamily="18" charset="0"/>
-                                </a:rPr>
-                                <m:t>𝑅</m:t>
-                              </m:r>
-                              <m:r>
-                                <a:rPr lang="hr-HR" i="1">
-                                  <a:latin typeface="Cambria Math" panose="02040503050406030204" pitchFamily="18" charset="0"/>
-                                </a:rPr>
-                                <m:t>−</m:t>
-                              </m:r>
-                              <m:r>
-                                <a:rPr lang="hr-HR" i="1">
-                                  <a:latin typeface="Cambria Math" panose="02040503050406030204" pitchFamily="18" charset="0"/>
-                                </a:rPr>
-                                <m:t>𝐾</m:t>
-                              </m:r>
-                              <m:r>
-                                <a:rPr lang="hr-HR" i="1">
-                                  <a:latin typeface="Cambria Math" panose="02040503050406030204" pitchFamily="18" charset="0"/>
-                                </a:rPr>
-                                <m:t>−20</m:t>
-                              </m:r>
-                              <m:func>
-                                <m:funcPr>
-                                  <m:ctrlPr>
-                                    <a:rPr lang="hr-HR" i="1">
-                                      <a:latin typeface="Cambria Math" panose="02040503050406030204" pitchFamily="18" charset="0"/>
-                                    </a:rPr>
-                                  </m:ctrlPr>
-                                </m:funcPr>
-                                <m:fName>
-                                  <m:r>
-                                    <m:rPr>
-                                      <m:sty m:val="p"/>
-                                    </m:rPr>
-                                    <a:rPr lang="hr-HR">
-                                      <a:latin typeface="Cambria Math" panose="02040503050406030204" pitchFamily="18" charset="0"/>
-                                    </a:rPr>
-                                    <m:t>log</m:t>
-                                  </m:r>
-                                </m:fName>
-                                <m:e>
-                                  <m:r>
-                                    <a:rPr lang="hr-HR" i="1">
-                                      <a:latin typeface="Cambria Math" panose="02040503050406030204" pitchFamily="18" charset="0"/>
-                                    </a:rPr>
-                                    <m:t>(</m:t>
-                                  </m:r>
-                                  <m:r>
-                                    <a:rPr lang="hr-HR" i="1">
-                                      <a:latin typeface="Cambria Math" panose="02040503050406030204" pitchFamily="18" charset="0"/>
-                                    </a:rPr>
-                                    <m:t>𝑓</m:t>
-                                  </m:r>
-                                  <m:r>
-                                    <a:rPr lang="hr-HR" i="1">
-                                      <a:latin typeface="Cambria Math" panose="02040503050406030204" pitchFamily="18" charset="0"/>
-                                    </a:rPr>
-                                    <m:t>))</m:t>
-                                  </m:r>
-                                </m:e>
-                              </m:func>
-                            </m:num>
-                            <m:den>
-                              <m:r>
-                                <a:rPr lang="hr-HR" i="1">
-                                  <a:latin typeface="Cambria Math" panose="02040503050406030204" pitchFamily="18" charset="0"/>
-                                </a:rPr>
-                                <m:t>10</m:t>
-                              </m:r>
-                              <m:r>
-                                <a:rPr lang="hr-HR" i="1">
-                                  <a:latin typeface="Cambria Math" panose="02040503050406030204" pitchFamily="18" charset="0"/>
-                                </a:rPr>
-                                <m:t>𝑛</m:t>
-                              </m:r>
-                            </m:den>
-                          </m:f>
-                        </m:sup>
-                      </m:sSup>
-                    </m:oMath>
-                  </m:oMathPara>
-                </a14:m>
-                <a:endParaRPr lang="hr-HR" dirty="0"/>
-              </a:p>
-            </p:txBody>
-          </p:sp>
-        </mc:Choice>
-        <mc:Fallback xmlns="">
-          <p:sp>
-            <p:nvSpPr>
-              <p:cNvPr id="26" name="Rectangle 25"/>
-              <p:cNvSpPr>
-                <a:spLocks noRot="1" noChangeAspect="1" noMove="1" noResize="1" noEditPoints="1" noAdjustHandles="1" noChangeArrowheads="1" noChangeShapeType="1" noTextEdit="1"/>
-              </p:cNvSpPr>
-              <p:nvPr/>
-            </p:nvSpPr>
-            <p:spPr>
-              <a:xfrm>
-                <a:off x="326221" y="6068722"/>
-                <a:ext cx="3122009" cy="511807"/>
-              </a:xfrm>
-              <a:prstGeom prst="rect">
-                <a:avLst/>
-              </a:prstGeom>
-              <a:blipFill rotWithShape="0">
-                <a:blip r:embed="rId2"/>
-                <a:stretch>
-                  <a:fillRect/>
-                </a:stretch>
-              </a:blipFill>
-            </p:spPr>
-            <p:txBody>
-              <a:bodyPr/>
-              <a:lstStyle/>
-              <a:p>
-                <a:r>
-                  <a:rPr lang="hr-HR">
-                    <a:noFill/>
-                  </a:rPr>
-                  <a:t> </a:t>
-                </a:r>
-              </a:p>
-            </p:txBody>
-          </p:sp>
-        </mc:Fallback>
-      </mc:AlternateContent>
-      <p:cxnSp>
-        <p:nvCxnSpPr>
-          <p:cNvPr id="28" name="Straight Connector 27"/>
-          <p:cNvCxnSpPr>
-            <a:stCxn id="7" idx="1"/>
-            <a:endCxn id="5" idx="5"/>
-          </p:cNvCxnSpPr>
-          <p:nvPr/>
-        </p:nvCxnSpPr>
-        <p:spPr>
-          <a:xfrm flipV="1">
-            <a:off x="3600892" y="3945316"/>
-            <a:ext cx="1399563" cy="1247419"/>
-          </a:xfrm>
-          <a:prstGeom prst="line">
-            <a:avLst/>
-          </a:prstGeom>
-          <a:ln w="38100">
-            <a:solidFill>
-              <a:schemeClr val="tx1">
-                <a:lumMod val="95000"/>
-                <a:lumOff val="5000"/>
-              </a:schemeClr>
-            </a:solidFill>
-          </a:ln>
-        </p:spPr>
-        <p:style>
-          <a:lnRef idx="1">
-            <a:schemeClr val="accent1"/>
-          </a:lnRef>
-          <a:fillRef idx="0">
-            <a:schemeClr val="accent1"/>
-          </a:fillRef>
-          <a:effectRef idx="0">
-            <a:schemeClr val="accent1"/>
-          </a:effectRef>
-          <a:fontRef idx="minor">
-            <a:schemeClr val="tx1"/>
-          </a:fontRef>
-        </p:style>
-      </p:cxnSp>
-      <p:sp>
-        <p:nvSpPr>
-          <p:cNvPr id="29" name="TextBox 28"/>
-          <p:cNvSpPr txBox="1"/>
-          <p:nvPr/>
-        </p:nvSpPr>
-        <p:spPr>
-          <a:xfrm>
-            <a:off x="4125484" y="4215911"/>
-            <a:ext cx="350378" cy="369332"/>
-          </a:xfrm>
-          <a:prstGeom prst="rect">
-            <a:avLst/>
-          </a:prstGeom>
-          <a:noFill/>
-        </p:spPr>
-        <p:txBody>
-          <a:bodyPr wrap="square" rtlCol="0">
-            <a:spAutoFit/>
-          </a:bodyPr>
-          <a:lstStyle/>
-          <a:p>
-            <a:r>
-              <a:rPr lang="hr-HR" b="1" dirty="0" smtClean="0"/>
-              <a:t>r</a:t>
-            </a:r>
-            <a:endParaRPr lang="hr-HR" b="1" dirty="0"/>
-          </a:p>
-        </p:txBody>
-      </p:sp>
-      <p:grpSp>
-        <p:nvGrpSpPr>
-          <p:cNvPr id="31" name="Group 30"/>
-          <p:cNvGrpSpPr/>
-          <p:nvPr/>
-        </p:nvGrpSpPr>
-        <p:grpSpPr>
-          <a:xfrm>
-            <a:off x="418744" y="4161550"/>
-            <a:ext cx="1124306" cy="1039752"/>
-            <a:chOff x="418744" y="4161550"/>
-            <a:chExt cx="1124306" cy="1039752"/>
-          </a:xfrm>
-        </p:grpSpPr>
-        <p:sp>
-          <p:nvSpPr>
-            <p:cNvPr id="32" name="Rectangle 31"/>
-            <p:cNvSpPr/>
-            <p:nvPr/>
-          </p:nvSpPr>
-          <p:spPr>
-            <a:xfrm>
-              <a:off x="418744" y="4681426"/>
-              <a:ext cx="1124306" cy="519876"/>
-            </a:xfrm>
-            <a:prstGeom prst="rect">
-              <a:avLst/>
-            </a:prstGeom>
-            <a:solidFill>
-              <a:schemeClr val="accent5">
-                <a:lumMod val="60000"/>
-                <a:lumOff val="40000"/>
-              </a:schemeClr>
-            </a:solidFill>
-            <a:ln>
-              <a:solidFill>
-                <a:schemeClr val="accent1">
-                  <a:lumMod val="75000"/>
-                </a:schemeClr>
-              </a:solidFill>
-            </a:ln>
-          </p:spPr>
-          <p:style>
-            <a:lnRef idx="2">
-              <a:schemeClr val="accent1">
-                <a:shade val="50000"/>
-              </a:schemeClr>
-            </a:lnRef>
-            <a:fillRef idx="1">
-              <a:schemeClr val="accent1"/>
-            </a:fillRef>
-            <a:effectRef idx="0">
-              <a:schemeClr val="accent1"/>
-            </a:effectRef>
-            <a:fontRef idx="minor">
-              <a:schemeClr val="lt1"/>
-            </a:fontRef>
-          </p:style>
-          <p:txBody>
-            <a:bodyPr rtlCol="0" anchor="ctr"/>
-            <a:lstStyle/>
-            <a:p>
-              <a:pPr algn="ctr"/>
-              <a:endParaRPr lang="hr-HR"/>
-            </a:p>
-          </p:txBody>
-        </p:sp>
-        <p:sp>
-          <p:nvSpPr>
-            <p:cNvPr id="33" name="Rectangle 32"/>
-            <p:cNvSpPr/>
-            <p:nvPr/>
-          </p:nvSpPr>
-          <p:spPr>
-            <a:xfrm>
-              <a:off x="418744" y="4161550"/>
-              <a:ext cx="1124306" cy="519876"/>
-            </a:xfrm>
-            <a:prstGeom prst="rect">
-              <a:avLst/>
-            </a:prstGeom>
-            <a:solidFill>
-              <a:schemeClr val="accent5">
-                <a:lumMod val="60000"/>
-                <a:lumOff val="40000"/>
-              </a:schemeClr>
-            </a:solidFill>
-            <a:ln>
-              <a:solidFill>
-                <a:schemeClr val="accent1">
-                  <a:lumMod val="75000"/>
-                </a:schemeClr>
-              </a:solidFill>
-            </a:ln>
-          </p:spPr>
-          <p:style>
-            <a:lnRef idx="2">
-              <a:schemeClr val="accent1">
-                <a:shade val="50000"/>
-              </a:schemeClr>
-            </a:lnRef>
-            <a:fillRef idx="1">
-              <a:schemeClr val="accent1"/>
-            </a:fillRef>
-            <a:effectRef idx="0">
-              <a:schemeClr val="accent1"/>
-            </a:effectRef>
-            <a:fontRef idx="minor">
-              <a:schemeClr val="lt1"/>
-            </a:fontRef>
-          </p:style>
-          <p:txBody>
-            <a:bodyPr rtlCol="0" anchor="ctr"/>
-            <a:lstStyle/>
-            <a:p>
-              <a:pPr algn="ctr"/>
-              <a:endParaRPr lang="hr-HR"/>
-            </a:p>
-          </p:txBody>
-        </p:sp>
-      </p:grpSp>
-      <p:sp>
-        <p:nvSpPr>
-          <p:cNvPr id="34" name="TextBox 33"/>
-          <p:cNvSpPr txBox="1"/>
-          <p:nvPr/>
-        </p:nvSpPr>
-        <p:spPr>
-          <a:xfrm>
-            <a:off x="405925" y="4113866"/>
-            <a:ext cx="714289" cy="369332"/>
-          </a:xfrm>
-          <a:prstGeom prst="rect">
-            <a:avLst/>
-          </a:prstGeom>
-          <a:noFill/>
-        </p:spPr>
-        <p:txBody>
-          <a:bodyPr wrap="square" rtlCol="0">
-            <a:spAutoFit/>
-          </a:bodyPr>
-          <a:lstStyle/>
-          <a:p>
-            <a:r>
-              <a:rPr lang="hr-HR" b="1" dirty="0" smtClean="0"/>
-              <a:t>B (R)</a:t>
-            </a:r>
-            <a:endParaRPr lang="hr-HR" b="1" dirty="0"/>
-          </a:p>
-        </p:txBody>
-      </p:sp>
-      <p:sp>
-        <p:nvSpPr>
-          <p:cNvPr id="35" name="TextBox 34"/>
-          <p:cNvSpPr txBox="1"/>
-          <p:nvPr/>
-        </p:nvSpPr>
-        <p:spPr>
-          <a:xfrm>
-            <a:off x="405925" y="4659283"/>
-            <a:ext cx="652688" cy="369332"/>
-          </a:xfrm>
-          <a:prstGeom prst="rect">
-            <a:avLst/>
-          </a:prstGeom>
-          <a:noFill/>
-        </p:spPr>
-        <p:txBody>
-          <a:bodyPr wrap="square" rtlCol="0">
-            <a:spAutoFit/>
-          </a:bodyPr>
-          <a:lstStyle/>
-          <a:p>
-            <a:r>
-              <a:rPr lang="hr-HR" b="1" dirty="0" smtClean="0"/>
-              <a:t>C (R)</a:t>
-            </a:r>
-            <a:endParaRPr lang="hr-HR" b="1" dirty="0"/>
-          </a:p>
-        </p:txBody>
-      </p:sp>
-      <p:sp>
-        <p:nvSpPr>
-          <p:cNvPr id="30" name="TextBox 29"/>
-          <p:cNvSpPr txBox="1"/>
-          <p:nvPr/>
-        </p:nvSpPr>
-        <p:spPr>
-          <a:xfrm>
-            <a:off x="405925" y="4113866"/>
-            <a:ext cx="1072355" cy="646331"/>
-          </a:xfrm>
-          <a:prstGeom prst="rect">
-            <a:avLst/>
-          </a:prstGeom>
-          <a:noFill/>
-        </p:spPr>
-        <p:txBody>
-          <a:bodyPr wrap="square" rtlCol="0">
-            <a:spAutoFit/>
-          </a:bodyPr>
-          <a:lstStyle/>
-          <a:p>
-            <a:r>
-              <a:rPr lang="hr-HR" b="1" dirty="0" smtClean="0"/>
-              <a:t>B (R, r, x, y, gX, gY)</a:t>
-            </a:r>
-            <a:endParaRPr lang="hr-HR" b="1" dirty="0"/>
-          </a:p>
-        </p:txBody>
-      </p:sp>
-    </p:spTree>
-    <p:extLst>
-      <p:ext uri="{BB962C8B-B14F-4D97-AF65-F5344CB8AC3E}">
-        <p14:creationId xmlns:p14="http://schemas.microsoft.com/office/powerpoint/2010/main" val="2377207708"/>
-      </p:ext>
-    </p:extLst>
-  </p:cSld>
-  <p:clrMapOvr>
-    <a:masterClrMapping/>
-  </p:clrMapOvr>
-  <mc:AlternateContent xmlns:mc="http://schemas.openxmlformats.org/markup-compatibility/2006">
-    <mc:Choice xmlns:p14="http://schemas.microsoft.com/office/powerpoint/2010/main" Requires="p14">
-      <p:transition spd="slow" p14:dur="2000"/>
-    </mc:Choice>
-    <mc:Fallback>
-      <p:transition spd="slow"/>
-    </mc:Fallback>
-  </mc:AlternateContent>
-  <p:timing>
-    <p:tnLst>
-      <p:par>
-        <p:cTn id="1" dur="indefinite" restart="never" nodeType="tmRoot">
-          <p:childTnLst>
-            <p:seq concurrent="1" nextAc="seek">
-              <p:cTn id="2" dur="indefinite" nodeType="mainSeq">
-                <p:childTnLst>
-                  <p:par>
-                    <p:cTn id="3" fill="hold">
-                      <p:stCondLst>
-                        <p:cond delay="indefinite"/>
-                      </p:stCondLst>
-                      <p:childTnLst>
-                        <p:par>
-                          <p:cTn id="4" fill="hold">
-                            <p:stCondLst>
-                              <p:cond delay="0"/>
-                            </p:stCondLst>
-                            <p:childTnLst>
-                              <p:par>
-                                <p:cTn id="5" presetID="22" presetClass="entr" presetSubtype="8" fill="hold" grpId="0" nodeType="clickEffect">
-                                  <p:stCondLst>
-                                    <p:cond delay="0"/>
-                                  </p:stCondLst>
-                                  <p:childTnLst>
-                                    <p:set>
-                                      <p:cBhvr>
-                                        <p:cTn id="6" dur="1" fill="hold">
-                                          <p:stCondLst>
-                                            <p:cond delay="0"/>
-                                          </p:stCondLst>
-                                        </p:cTn>
-                                        <p:tgtEl>
-                                          <p:spTgt spid="26"/>
-                                        </p:tgtEl>
-                                        <p:attrNameLst>
-                                          <p:attrName>style.visibility</p:attrName>
-                                        </p:attrNameLst>
-                                      </p:cBhvr>
-                                      <p:to>
-                                        <p:strVal val="visible"/>
-                                      </p:to>
-                                    </p:set>
-                                    <p:animEffect transition="in" filter="wipe(left)">
-                                      <p:cBhvr>
-                                        <p:cTn id="7" dur="500"/>
-                                        <p:tgtEl>
-                                          <p:spTgt spid="26"/>
-                                        </p:tgtEl>
-                                      </p:cBhvr>
-                                    </p:animEffect>
-                                  </p:childTnLst>
-                                </p:cTn>
-                              </p:par>
-                            </p:childTnLst>
-                          </p:cTn>
-                        </p:par>
-                      </p:childTnLst>
-                    </p:cTn>
-                  </p:par>
-                  <p:par>
-                    <p:cTn id="8" fill="hold">
-                      <p:stCondLst>
-                        <p:cond delay="indefinite"/>
-                      </p:stCondLst>
-                      <p:childTnLst>
-                        <p:par>
-                          <p:cTn id="9" fill="hold">
-                            <p:stCondLst>
-                              <p:cond delay="0"/>
-                            </p:stCondLst>
-                            <p:childTnLst>
-                              <p:par>
-                                <p:cTn id="10" presetID="22" presetClass="entr" presetSubtype="4" fill="hold" nodeType="clickEffect">
-                                  <p:stCondLst>
-                                    <p:cond delay="0"/>
-                                  </p:stCondLst>
-                                  <p:childTnLst>
-                                    <p:set>
-                                      <p:cBhvr>
-                                        <p:cTn id="11" dur="1" fill="hold">
-                                          <p:stCondLst>
-                                            <p:cond delay="0"/>
-                                          </p:stCondLst>
-                                        </p:cTn>
-                                        <p:tgtEl>
-                                          <p:spTgt spid="28"/>
-                                        </p:tgtEl>
-                                        <p:attrNameLst>
-                                          <p:attrName>style.visibility</p:attrName>
-                                        </p:attrNameLst>
-                                      </p:cBhvr>
-                                      <p:to>
-                                        <p:strVal val="visible"/>
-                                      </p:to>
-                                    </p:set>
-                                    <p:animEffect transition="in" filter="wipe(down)">
-                                      <p:cBhvr>
-                                        <p:cTn id="12" dur="500"/>
-                                        <p:tgtEl>
-                                          <p:spTgt spid="28"/>
-                                        </p:tgtEl>
-                                      </p:cBhvr>
-                                    </p:animEffect>
-                                  </p:childTnLst>
-                                </p:cTn>
-                              </p:par>
-                              <p:par>
-                                <p:cTn id="13" presetID="10" presetClass="entr" presetSubtype="0" fill="hold" grpId="0" nodeType="withEffect">
-                                  <p:stCondLst>
-                                    <p:cond delay="0"/>
-                                  </p:stCondLst>
-                                  <p:childTnLst>
-                                    <p:set>
-                                      <p:cBhvr>
-                                        <p:cTn id="14" dur="1" fill="hold">
-                                          <p:stCondLst>
-                                            <p:cond delay="0"/>
-                                          </p:stCondLst>
-                                        </p:cTn>
-                                        <p:tgtEl>
-                                          <p:spTgt spid="29"/>
-                                        </p:tgtEl>
-                                        <p:attrNameLst>
-                                          <p:attrName>style.visibility</p:attrName>
-                                        </p:attrNameLst>
-                                      </p:cBhvr>
-                                      <p:to>
-                                        <p:strVal val="visible"/>
-                                      </p:to>
-                                    </p:set>
-                                    <p:animEffect transition="in" filter="fade">
-                                      <p:cBhvr>
-                                        <p:cTn id="15" dur="500"/>
-                                        <p:tgtEl>
-                                          <p:spTgt spid="29"/>
-                                        </p:tgtEl>
-                                      </p:cBhvr>
-                                    </p:animEffect>
-                                  </p:childTnLst>
-                                </p:cTn>
-                              </p:par>
-                            </p:childTnLst>
-                          </p:cTn>
-                        </p:par>
-                      </p:childTnLst>
-                    </p:cTn>
-                  </p:par>
-                  <p:par>
-                    <p:cTn id="16" fill="hold">
-                      <p:stCondLst>
-                        <p:cond delay="indefinite"/>
-                      </p:stCondLst>
-                      <p:childTnLst>
-                        <p:par>
-                          <p:cTn id="17" fill="hold">
-                            <p:stCondLst>
-                              <p:cond delay="0"/>
-                            </p:stCondLst>
-                            <p:childTnLst>
-                              <p:par>
-                                <p:cTn id="18" presetID="10" presetClass="entr" presetSubtype="0" fill="hold" nodeType="clickEffect">
-                                  <p:stCondLst>
-                                    <p:cond delay="0"/>
-                                  </p:stCondLst>
-                                  <p:childTnLst>
-                                    <p:set>
-                                      <p:cBhvr>
-                                        <p:cTn id="19" dur="1" fill="hold">
-                                          <p:stCondLst>
-                                            <p:cond delay="0"/>
-                                          </p:stCondLst>
-                                        </p:cTn>
-                                        <p:tgtEl>
-                                          <p:spTgt spid="3">
-                                            <p:txEl>
-                                              <p:pRg st="3" end="3"/>
-                                            </p:txEl>
-                                          </p:spTgt>
-                                        </p:tgtEl>
-                                        <p:attrNameLst>
-                                          <p:attrName>style.visibility</p:attrName>
-                                        </p:attrNameLst>
-                                      </p:cBhvr>
-                                      <p:to>
-                                        <p:strVal val="visible"/>
-                                      </p:to>
-                                    </p:set>
-                                    <p:animEffect transition="in" filter="fade">
-                                      <p:cBhvr>
-                                        <p:cTn id="20" dur="500"/>
-                                        <p:tgtEl>
-                                          <p:spTgt spid="3">
-                                            <p:txEl>
-                                              <p:pRg st="3" end="3"/>
-                                            </p:txEl>
-                                          </p:spTgt>
-                                        </p:tgtEl>
-                                      </p:cBhvr>
-                                    </p:animEffect>
-                                  </p:childTnLst>
-                                </p:cTn>
-                              </p:par>
-                            </p:childTnLst>
-                          </p:cTn>
-                        </p:par>
-                      </p:childTnLst>
-                    </p:cTn>
-                  </p:par>
-                  <p:par>
-                    <p:cTn id="21" fill="hold">
-                      <p:stCondLst>
-                        <p:cond delay="indefinite"/>
-                      </p:stCondLst>
-                      <p:childTnLst>
-                        <p:par>
-                          <p:cTn id="22" fill="hold">
-                            <p:stCondLst>
-                              <p:cond delay="0"/>
-                            </p:stCondLst>
-                            <p:childTnLst>
-                              <p:par>
-                                <p:cTn id="23" presetID="1" presetClass="exit" presetSubtype="0" fill="hold" grpId="0" nodeType="clickEffect">
-                                  <p:stCondLst>
-                                    <p:cond delay="0"/>
-                                  </p:stCondLst>
-                                  <p:childTnLst>
-                                    <p:set>
-                                      <p:cBhvr>
-                                        <p:cTn id="24" dur="1" fill="hold">
-                                          <p:stCondLst>
-                                            <p:cond delay="0"/>
-                                          </p:stCondLst>
-                                        </p:cTn>
-                                        <p:tgtEl>
-                                          <p:spTgt spid="34"/>
-                                        </p:tgtEl>
-                                        <p:attrNameLst>
-                                          <p:attrName>style.visibility</p:attrName>
-                                        </p:attrNameLst>
-                                      </p:cBhvr>
-                                      <p:to>
-                                        <p:strVal val="hidden"/>
-                                      </p:to>
-                                    </p:set>
-                                  </p:childTnLst>
-                                </p:cTn>
-                              </p:par>
-                              <p:par>
-                                <p:cTn id="25" presetID="10" presetClass="entr" presetSubtype="0" fill="hold" grpId="0" nodeType="withEffect">
-                                  <p:stCondLst>
-                                    <p:cond delay="0"/>
-                                  </p:stCondLst>
-                                  <p:childTnLst>
-                                    <p:set>
-                                      <p:cBhvr>
-                                        <p:cTn id="26" dur="1" fill="hold">
-                                          <p:stCondLst>
-                                            <p:cond delay="0"/>
-                                          </p:stCondLst>
-                                        </p:cTn>
-                                        <p:tgtEl>
-                                          <p:spTgt spid="30"/>
-                                        </p:tgtEl>
-                                        <p:attrNameLst>
-                                          <p:attrName>style.visibility</p:attrName>
-                                        </p:attrNameLst>
-                                      </p:cBhvr>
-                                      <p:to>
-                                        <p:strVal val="visible"/>
-                                      </p:to>
-                                    </p:set>
-                                    <p:animEffect transition="in" filter="fade">
-                                      <p:cBhvr>
-                                        <p:cTn id="27" dur="500"/>
-                                        <p:tgtEl>
-                                          <p:spTgt spid="30"/>
-                                        </p:tgtEl>
-                                      </p:cBhvr>
-                                    </p:animEffect>
-                                  </p:childTnLst>
-                                </p:cTn>
-                              </p:par>
-                            </p:childTnLst>
-                          </p:cTn>
-                        </p:par>
-                      </p:childTnLst>
-                    </p:cTn>
-                  </p:par>
-                </p:childTnLst>
-              </p:cTn>
-              <p:prevCondLst>
-                <p:cond evt="onPrev" delay="0">
-                  <p:tgtEl>
-                    <p:sldTgt/>
-                  </p:tgtEl>
-                </p:cond>
-              </p:prevCondLst>
-              <p:nextCondLst>
-                <p:cond evt="onNext" delay="0">
-                  <p:tgtEl>
-                    <p:sldTgt/>
-                  </p:tgtEl>
-                </p:cond>
-              </p:nextCondLst>
-            </p:seq>
-          </p:childTnLst>
-        </p:cTn>
-      </p:par>
-    </p:tnLst>
-    <p:bldLst>
-      <p:bldP spid="26" grpId="0"/>
-      <p:bldP spid="29" grpId="0"/>
-      <p:bldP spid="34" grpId="0"/>
-      <p:bldP spid="30" grpId="0"/>
-    </p:bldLst>
-  </p:timing>
-</p:sld>
-</file>
-
-<file path=ppt/slides/slide11.xml><?xml version="1.0" encoding="utf-8"?>
-<p:sld xmlns:a="http://schemas.openxmlformats.org/drawingml/2006/main" xmlns:r="http://schemas.openxmlformats.org/officeDocument/2006/relationships" xmlns:p="http://schemas.openxmlformats.org/presentationml/2006/main">
-  <p:cSld>
-    <p:spTree>
-      <p:nvGrpSpPr>
-        <p:cNvPr id="1" name=""/>
-        <p:cNvGrpSpPr/>
-        <p:nvPr/>
-      </p:nvGrpSpPr>
-      <p:grpSpPr>
-        <a:xfrm>
-          <a:off x="0" y="0"/>
-          <a:ext cx="0" cy="0"/>
-          <a:chOff x="0" y="0"/>
-          <a:chExt cx="0" cy="0"/>
-        </a:xfrm>
-      </p:grpSpPr>
-      <p:sp>
-        <p:nvSpPr>
           <p:cNvPr id="3" name="Content Placeholder 2"/>
           <p:cNvSpPr>
             <a:spLocks noGrp="1"/>
@@ -11751,11 +10497,11 @@
   <p:clrMapOvr>
     <a:masterClrMapping/>
   </p:clrMapOvr>
-  <mc:AlternateContent xmlns:mc="http://schemas.openxmlformats.org/markup-compatibility/2006">
-    <mc:Choice xmlns:p14="http://schemas.microsoft.com/office/powerpoint/2010/main" Requires="p14">
+  <mc:AlternateContent xmlns:mc="http://schemas.openxmlformats.org/markup-compatibility/2006" xmlns:p14="http://schemas.microsoft.com/office/powerpoint/2010/main">
+    <mc:Choice Requires="p14">
       <p:transition spd="slow" p14:dur="2000"/>
     </mc:Choice>
-    <mc:Fallback>
+    <mc:Fallback xmlns="">
       <p:transition spd="slow"/>
     </mc:Fallback>
   </mc:AlternateContent>
@@ -12572,7 +11318,7 @@
 </p:sld>
 </file>
 
-<file path=ppt/slides/slide12.xml><?xml version="1.0" encoding="utf-8"?>
+<file path=ppt/slides/slide11.xml><?xml version="1.0" encoding="utf-8"?>
 <p:sld xmlns:a="http://schemas.openxmlformats.org/drawingml/2006/main" xmlns:r="http://schemas.openxmlformats.org/officeDocument/2006/relationships" xmlns:p="http://schemas.openxmlformats.org/presentationml/2006/main">
   <p:cSld>
     <p:spTree>
@@ -12864,7 +11610,6 @@
               <a:rPr lang="hr-HR" dirty="0"/>
               <a:t>izračunaj presjek između vlasite elipse pogreške i svih izračunatih „vijenaca“ </a:t>
             </a:r>
-            <a:endParaRPr lang="hr-HR" dirty="0"/>
           </a:p>
         </p:txBody>
       </p:sp>
@@ -13340,8 +12085,8 @@
           </a:p>
         </p:txBody>
       </p:sp>
-      <mc:AlternateContent xmlns:mc="http://schemas.openxmlformats.org/markup-compatibility/2006">
-        <mc:Choice xmlns:a14="http://schemas.microsoft.com/office/drawing/2010/main" Requires="a14">
+      <mc:AlternateContent xmlns:mc="http://schemas.openxmlformats.org/markup-compatibility/2006" xmlns:a14="http://schemas.microsoft.com/office/drawing/2010/main">
+        <mc:Choice Requires="a14">
           <p:sp>
             <p:nvSpPr>
               <p:cNvPr id="22" name="Rectangle 21"/>
@@ -13363,6 +12108,7 @@
               </a:bodyPr>
               <a:lstStyle/>
               <a:p>
+                <a:pPr/>
                 <a14:m>
                   <m:oMathPara xmlns:m="http://schemas.openxmlformats.org/officeDocument/2006/math">
                     <m:oMathParaPr>
@@ -13372,7 +12118,7 @@
                       <m:sSup>
                         <m:sSupPr>
                           <m:ctrlPr>
-                            <a:rPr lang="hr-HR">
+                            <a:rPr lang="hr-HR" i="1">
                               <a:latin typeface="Cambria Math" panose="02040503050406030204" pitchFamily="18" charset="0"/>
                             </a:rPr>
                           </m:ctrlPr>
@@ -13513,7 +12259,7 @@
             </p:txBody>
           </p:sp>
         </mc:Choice>
-        <mc:Fallback>
+        <mc:Fallback xmlns="">
           <p:sp>
             <p:nvSpPr>
               <p:cNvPr id="22" name="Rectangle 21"/>
@@ -13985,7 +12731,7 @@
 </p:sld>
 </file>
 
-<file path=ppt/slides/slide13.xml><?xml version="1.0" encoding="utf-8"?>
+<file path=ppt/slides/slide12.xml><?xml version="1.0" encoding="utf-8"?>
 <p:sld xmlns:a="http://schemas.openxmlformats.org/drawingml/2006/main" xmlns:r="http://schemas.openxmlformats.org/officeDocument/2006/relationships" xmlns:p="http://schemas.openxmlformats.org/presentationml/2006/main">
   <p:cSld>
     <p:spTree>
@@ -14035,265 +12781,19 @@
             <p:ph idx="1"/>
           </p:nvPr>
         </p:nvSpPr>
-        <p:spPr>
-          <a:xfrm>
-            <a:off x="1105704" y="1451076"/>
-            <a:ext cx="2889353" cy="4725887"/>
-          </a:xfrm>
-        </p:spPr>
+        <p:spPr/>
         <p:txBody>
           <a:bodyPr/>
           <a:lstStyle/>
           <a:p>
             <a:r>
               <a:rPr lang="hr-HR" dirty="0" smtClean="0"/>
-              <a:t>Struktura </a:t>
-            </a:r>
-            <a:br>
-              <a:rPr lang="hr-HR" dirty="0" smtClean="0"/>
-            </a:br>
-            <a:r>
-              <a:rPr lang="hr-HR" dirty="0" smtClean="0"/>
-              <a:t>sustava</a:t>
-            </a:r>
-            <a:endParaRPr lang="hr-HR" dirty="0"/>
-          </a:p>
-        </p:txBody>
-      </p:sp>
-      <p:pic>
-        <p:nvPicPr>
-          <p:cNvPr id="5" name="Picture 4"/>
-          <p:cNvPicPr>
-            <a:picLocks noChangeAspect="1"/>
-          </p:cNvPicPr>
-          <p:nvPr/>
-        </p:nvPicPr>
-        <p:blipFill>
-          <a:blip r:embed="rId2">
-            <a:extLst>
-              <a:ext uri="{28A0092B-C50C-407E-A947-70E740481C1C}">
-                <a14:useLocalDpi xmlns:a14="http://schemas.microsoft.com/office/drawing/2010/main" val="0"/>
-              </a:ext>
-            </a:extLst>
-          </a:blip>
-          <a:stretch>
-            <a:fillRect/>
-          </a:stretch>
-        </p:blipFill>
-        <p:spPr>
-          <a:xfrm>
-            <a:off x="4158343" y="454391"/>
-            <a:ext cx="7946571" cy="6298974"/>
-          </a:xfrm>
-          <a:prstGeom prst="rect">
-            <a:avLst/>
-          </a:prstGeom>
-        </p:spPr>
-      </p:pic>
-    </p:spTree>
-    <p:extLst>
-      <p:ext uri="{BB962C8B-B14F-4D97-AF65-F5344CB8AC3E}">
-        <p14:creationId xmlns:p14="http://schemas.microsoft.com/office/powerpoint/2010/main" val="3550262348"/>
-      </p:ext>
-    </p:extLst>
-  </p:cSld>
-  <p:clrMapOvr>
-    <a:masterClrMapping/>
-  </p:clrMapOvr>
-  <p:timing>
-    <p:tnLst>
-      <p:par>
-        <p:cTn id="1" dur="indefinite" restart="never" nodeType="tmRoot"/>
-      </p:par>
-    </p:tnLst>
-  </p:timing>
-</p:sld>
-</file>
-
-<file path=ppt/slides/slide14.xml><?xml version="1.0" encoding="utf-8"?>
-<p:sld xmlns:a="http://schemas.openxmlformats.org/drawingml/2006/main" xmlns:r="http://schemas.openxmlformats.org/officeDocument/2006/relationships" xmlns:p="http://schemas.openxmlformats.org/presentationml/2006/main">
-  <p:cSld>
-    <p:spTree>
-      <p:nvGrpSpPr>
-        <p:cNvPr id="1" name=""/>
-        <p:cNvGrpSpPr/>
-        <p:nvPr/>
-      </p:nvGrpSpPr>
-      <p:grpSpPr>
-        <a:xfrm>
-          <a:off x="0" y="0"/>
-          <a:ext cx="0" cy="0"/>
-          <a:chOff x="0" y="0"/>
-          <a:chExt cx="0" cy="0"/>
-        </a:xfrm>
-      </p:grpSpPr>
-      <p:sp>
-        <p:nvSpPr>
-          <p:cNvPr id="2" name="Title 1"/>
-          <p:cNvSpPr>
-            <a:spLocks noGrp="1"/>
-          </p:cNvSpPr>
-          <p:nvPr>
-            <p:ph type="title"/>
-          </p:nvPr>
-        </p:nvSpPr>
-        <p:spPr/>
-        <p:txBody>
-          <a:bodyPr/>
-          <a:lstStyle/>
-          <a:p>
-            <a:r>
-              <a:rPr lang="hr-HR" dirty="0" smtClean="0"/>
-              <a:t>Aplikacija</a:t>
-            </a:r>
-            <a:endParaRPr lang="hr-HR" dirty="0"/>
-          </a:p>
-        </p:txBody>
-      </p:sp>
-      <p:sp>
-        <p:nvSpPr>
-          <p:cNvPr id="3" name="Content Placeholder 2"/>
-          <p:cNvSpPr>
-            <a:spLocks noGrp="1"/>
-          </p:cNvSpPr>
-          <p:nvPr>
-            <p:ph idx="1"/>
-          </p:nvPr>
-        </p:nvSpPr>
-        <p:spPr/>
-        <p:txBody>
-          <a:bodyPr/>
-          <a:lstStyle/>
-          <a:p>
-            <a:r>
-              <a:rPr lang="hr-HR" dirty="0" smtClean="0"/>
-              <a:t>Simulacija ulaznih parametara</a:t>
-            </a:r>
-          </a:p>
-          <a:p>
-            <a:pPr lvl="1"/>
-            <a:r>
-              <a:rPr lang="hr-HR" dirty="0" smtClean="0"/>
-              <a:t>Nova lokacija – izračun prema trenutnoj lokaciji, brzini, smjeru</a:t>
-            </a:r>
-          </a:p>
-          <a:p>
-            <a:pPr lvl="1"/>
-            <a:r>
-              <a:rPr lang="hr-HR" dirty="0" smtClean="0"/>
-              <a:t>GPS pogreška – izračun prema lokaciji; „karta” veličine izlazne forme, podijeljena na nekoliko regija s vlastitom definiranom pogreškom</a:t>
-            </a:r>
-          </a:p>
-          <a:p>
-            <a:pPr lvl="1"/>
-            <a:r>
-              <a:rPr lang="hr-HR" dirty="0" smtClean="0"/>
-              <a:t>Jačina signala – izračun pomoći formule za gubitke propagacije na temelju udaljenosti čvorova (lokacije čvorova iz koordinatnog sustava)</a:t>
-            </a:r>
-          </a:p>
-          <a:p>
-            <a:r>
-              <a:rPr lang="hr-HR" dirty="0" smtClean="0"/>
-              <a:t>Implementacija</a:t>
-            </a:r>
-          </a:p>
-          <a:p>
-            <a:pPr lvl="1"/>
-            <a:r>
-              <a:rPr lang="hr-HR" dirty="0" smtClean="0"/>
-              <a:t>C# (.NET)</a:t>
-            </a:r>
-          </a:p>
-          <a:p>
-            <a:pPr lvl="1"/>
-            <a:r>
-              <a:rPr lang="hr-HR" dirty="0" smtClean="0"/>
-              <a:t>Preuzete biblioteke: NetTopologySuite, GeoAPI</a:t>
-            </a:r>
-            <a:endParaRPr lang="hr-HR" dirty="0"/>
-          </a:p>
-        </p:txBody>
-      </p:sp>
-    </p:spTree>
-    <p:extLst>
-      <p:ext uri="{BB962C8B-B14F-4D97-AF65-F5344CB8AC3E}">
-        <p14:creationId xmlns:p14="http://schemas.microsoft.com/office/powerpoint/2010/main" val="1583334795"/>
-      </p:ext>
-    </p:extLst>
-  </p:cSld>
-  <p:clrMapOvr>
-    <a:masterClrMapping/>
-  </p:clrMapOvr>
-  <p:timing>
-    <p:tnLst>
-      <p:par>
-        <p:cTn id="1" dur="indefinite" restart="never" nodeType="tmRoot"/>
-      </p:par>
-    </p:tnLst>
-  </p:timing>
-</p:sld>
-</file>
-
-<file path=ppt/slides/slide15.xml><?xml version="1.0" encoding="utf-8"?>
-<p:sld xmlns:a="http://schemas.openxmlformats.org/drawingml/2006/main" xmlns:r="http://schemas.openxmlformats.org/officeDocument/2006/relationships" xmlns:p="http://schemas.openxmlformats.org/presentationml/2006/main">
-  <p:cSld>
-    <p:spTree>
-      <p:nvGrpSpPr>
-        <p:cNvPr id="1" name=""/>
-        <p:cNvGrpSpPr/>
-        <p:nvPr/>
-      </p:nvGrpSpPr>
-      <p:grpSpPr>
-        <a:xfrm>
-          <a:off x="0" y="0"/>
-          <a:ext cx="0" cy="0"/>
-          <a:chOff x="0" y="0"/>
-          <a:chExt cx="0" cy="0"/>
-        </a:xfrm>
-      </p:grpSpPr>
-      <p:sp>
-        <p:nvSpPr>
-          <p:cNvPr id="2" name="Title 1"/>
-          <p:cNvSpPr>
-            <a:spLocks noGrp="1"/>
-          </p:cNvSpPr>
-          <p:nvPr>
-            <p:ph type="title"/>
-          </p:nvPr>
-        </p:nvSpPr>
-        <p:spPr/>
-        <p:txBody>
-          <a:bodyPr/>
-          <a:lstStyle/>
-          <a:p>
-            <a:r>
-              <a:rPr lang="hr-HR" dirty="0" smtClean="0"/>
-              <a:t>Aplikacija</a:t>
-            </a:r>
-            <a:endParaRPr lang="hr-HR" dirty="0"/>
-          </a:p>
-        </p:txBody>
-      </p:sp>
-      <p:sp>
-        <p:nvSpPr>
-          <p:cNvPr id="3" name="Content Placeholder 2"/>
-          <p:cNvSpPr>
-            <a:spLocks noGrp="1"/>
-          </p:cNvSpPr>
-          <p:nvPr>
-            <p:ph idx="1"/>
-          </p:nvPr>
-        </p:nvSpPr>
-        <p:spPr/>
-        <p:txBody>
-          <a:bodyPr/>
-          <a:lstStyle/>
-          <a:p>
-            <a:r>
-              <a:rPr lang="hr-HR" dirty="0" smtClean="0"/>
-              <a:t>Korištenje</a:t>
-            </a:r>
-            <a:endParaRPr lang="hr-HR" dirty="0"/>
+              <a:t>C# (.NET), preuzete biblioteke: </a:t>
+            </a:r>
+            <a:r>
+              <a:rPr lang="hr-HR" dirty="0"/>
+              <a:t>NetTopologySuite, GeoAPI</a:t>
+            </a:r>
           </a:p>
         </p:txBody>
       </p:sp>
@@ -14319,7 +12819,7 @@
         </p:blipFill>
         <p:spPr>
           <a:xfrm>
-            <a:off x="1105704" y="2246644"/>
+            <a:off x="1105704" y="3042214"/>
             <a:ext cx="10058400" cy="3134749"/>
           </a:xfrm>
           <a:prstGeom prst="rect">
@@ -14349,7 +12849,7 @@
         </p:blipFill>
         <p:spPr>
           <a:xfrm>
-            <a:off x="7346029" y="2256923"/>
+            <a:off x="7346029" y="3052494"/>
             <a:ext cx="3818075" cy="3124469"/>
           </a:xfrm>
           <a:prstGeom prst="rect">
@@ -14453,7 +12953,7 @@
 </p:sld>
 </file>
 
-<file path=ppt/slides/slide16.xml><?xml version="1.0" encoding="utf-8"?>
+<file path=ppt/slides/slide13.xml><?xml version="1.0" encoding="utf-8"?>
 <p:sld xmlns:a="http://schemas.openxmlformats.org/drawingml/2006/main" xmlns:r="http://schemas.openxmlformats.org/officeDocument/2006/relationships" xmlns:p="http://schemas.openxmlformats.org/presentationml/2006/main">
   <p:cSld>
     <p:spTree>
@@ -14493,8 +12993,8 @@
           </a:p>
         </p:txBody>
       </p:sp>
-      <mc:AlternateContent xmlns:mc="http://schemas.openxmlformats.org/markup-compatibility/2006">
-        <mc:Choice xmlns:a14="http://schemas.microsoft.com/office/drawing/2010/main" Requires="a14">
+      <mc:AlternateContent xmlns:mc="http://schemas.openxmlformats.org/markup-compatibility/2006" xmlns:a14="http://schemas.microsoft.com/office/drawing/2010/main">
+        <mc:Choice Requires="a14">
           <p:sp>
             <p:nvSpPr>
               <p:cNvPr id="3" name="Content Placeholder 2"/>
@@ -14514,6 +13014,10 @@
                   <a:rPr lang="hr-HR" dirty="0" smtClean="0"/>
                   <a:t>Formula za uspoređivanje rezultata:</a:t>
                 </a:r>
+                <a:br>
+                  <a:rPr lang="hr-HR" dirty="0" smtClean="0"/>
+                </a:br>
+                <a:endParaRPr lang="hr-HR" dirty="0" smtClean="0"/>
               </a:p>
               <a:p>
                 <a:pPr marL="457200" lvl="1" indent="0">
@@ -14526,46 +13030,62 @@
                     </m:oMathParaPr>
                     <m:oMath xmlns:m="http://schemas.openxmlformats.org/officeDocument/2006/math">
                       <m:r>
-                        <a:rPr lang="hr-HR" i="1"/>
+                        <a:rPr lang="hr-HR" i="1">
+                          <a:latin typeface="Cambria Math" panose="02040503050406030204" pitchFamily="18" charset="0"/>
+                        </a:rPr>
                         <m:t>𝑝</m:t>
                       </m:r>
                       <m:r>
-                        <a:rPr lang="hr-HR" i="1"/>
+                        <a:rPr lang="hr-HR" i="1">
+                          <a:latin typeface="Cambria Math" panose="02040503050406030204" pitchFamily="18" charset="0"/>
+                        </a:rPr>
                         <m:t>=</m:t>
                       </m:r>
                       <m:d>
                         <m:dPr>
                           <m:ctrlPr>
-                            <a:rPr lang="hr-HR" i="1"/>
+                            <a:rPr lang="hr-HR" i="1">
+                              <a:latin typeface="Cambria Math" panose="02040503050406030204" pitchFamily="18" charset="0"/>
+                            </a:rPr>
                           </m:ctrlPr>
                         </m:dPr>
                         <m:e>
                           <m:r>
-                            <a:rPr lang="hr-HR" i="1"/>
+                            <a:rPr lang="hr-HR" i="1">
+                              <a:latin typeface="Cambria Math" panose="02040503050406030204" pitchFamily="18" charset="0"/>
+                            </a:rPr>
                             <m:t>1−</m:t>
                           </m:r>
                           <m:f>
                             <m:fPr>
                               <m:ctrlPr>
-                                <a:rPr lang="hr-HR" i="1"/>
+                                <a:rPr lang="hr-HR" i="1">
+                                  <a:latin typeface="Cambria Math" panose="02040503050406030204" pitchFamily="18" charset="0"/>
+                                </a:rPr>
                               </m:ctrlPr>
                             </m:fPr>
                             <m:num>
                               <m:sSub>
                                 <m:sSubPr>
                                   <m:ctrlPr>
-                                    <a:rPr lang="hr-HR" i="1"/>
+                                    <a:rPr lang="hr-HR" i="1">
+                                      <a:latin typeface="Cambria Math" panose="02040503050406030204" pitchFamily="18" charset="0"/>
+                                    </a:rPr>
                                   </m:ctrlPr>
                                 </m:sSubPr>
                                 <m:e>
                                   <m:r>
-                                    <a:rPr lang="hr-HR" i="1"/>
+                                    <a:rPr lang="hr-HR" i="1">
+                                      <a:latin typeface="Cambria Math" panose="02040503050406030204" pitchFamily="18" charset="0"/>
+                                    </a:rPr>
                                     <m:t>𝑃</m:t>
                                   </m:r>
                                 </m:e>
                                 <m:sub>
                                   <m:r>
-                                    <a:rPr lang="hr-HR" i="1"/>
+                                    <a:rPr lang="hr-HR" i="1">
+                                      <a:latin typeface="Cambria Math" panose="02040503050406030204" pitchFamily="18" charset="0"/>
+                                    </a:rPr>
                                     <m:t>𝑡𝑟𝑒𝑛</m:t>
                                   </m:r>
                                 </m:sub>
@@ -14575,18 +13095,24 @@
                               <m:sSub>
                                 <m:sSubPr>
                                   <m:ctrlPr>
-                                    <a:rPr lang="hr-HR" i="1"/>
+                                    <a:rPr lang="hr-HR" i="1">
+                                      <a:latin typeface="Cambria Math" panose="02040503050406030204" pitchFamily="18" charset="0"/>
+                                    </a:rPr>
                                   </m:ctrlPr>
                                 </m:sSubPr>
                                 <m:e>
                                   <m:r>
-                                    <a:rPr lang="hr-HR" i="1"/>
+                                    <a:rPr lang="hr-HR" i="1">
+                                      <a:latin typeface="Cambria Math" panose="02040503050406030204" pitchFamily="18" charset="0"/>
+                                    </a:rPr>
                                     <m:t>𝑃</m:t>
                                   </m:r>
                                 </m:e>
                                 <m:sub>
                                   <m:r>
-                                    <a:rPr lang="hr-HR" i="1"/>
+                                    <a:rPr lang="hr-HR" i="1">
+                                      <a:latin typeface="Cambria Math" panose="02040503050406030204" pitchFamily="18" charset="0"/>
+                                    </a:rPr>
                                     <m:t>𝑝𝑜𝑐</m:t>
                                   </m:r>
                                 </m:sub>
@@ -14596,7 +13122,9 @@
                         </m:e>
                       </m:d>
                       <m:r>
-                        <a:rPr lang="hr-HR" i="1"/>
+                        <a:rPr lang="hr-HR" i="1">
+                          <a:latin typeface="Cambria Math" panose="02040503050406030204" pitchFamily="18" charset="0"/>
+                        </a:rPr>
                         <m:t>×100</m:t>
                       </m:r>
                     </m:oMath>
@@ -14606,13 +13134,21 @@
               </a:p>
               <a:p>
                 <a:pPr lvl="1"/>
+                <a:endParaRPr lang="hr-HR" i="1" dirty="0"/>
+              </a:p>
+              <a:p>
+                <a:pPr lvl="1"/>
                 <a:r>
-                  <a:rPr lang="hr-HR" i="1" dirty="0"/>
+                  <a:rPr lang="hr-HR" i="1" dirty="0" smtClean="0"/>
                   <a:t>p</a:t>
                 </a:r>
                 <a:r>
+                  <a:rPr lang="hr-HR" dirty="0" smtClean="0"/>
+                  <a:t> </a:t>
+                </a:r>
+                <a:r>
                   <a:rPr lang="hr-HR" dirty="0"/>
-                  <a:t> – konačni rezulat poboljšanja, u %</a:t>
+                  <a:t>– konačni rezulat poboljšanja, u %</a:t>
                 </a:r>
               </a:p>
               <a:p>
@@ -14646,7 +13182,26 @@
                 </a:r>
                 <a:r>
                   <a:rPr lang="hr-HR" dirty="0"/>
-                  <a:t>– početna površina regije pogreške (površina elipse pogreške), izračunata iz GPS podataka o pogrešci</a:t>
+                  <a:t>– početna površina regije pogreške (površina elipse pogreške), izračunata iz GPS podataka o </a:t>
+                </a:r>
+                <a:r>
+                  <a:rPr lang="hr-HR" dirty="0" smtClean="0"/>
+                  <a:t>pogrešci</a:t>
+                </a:r>
+              </a:p>
+              <a:p>
+                <a:pPr lvl="1"/>
+                <a:endParaRPr lang="hr-HR" dirty="0"/>
+              </a:p>
+              <a:p>
+                <a:pPr lvl="1"/>
+                <a:r>
+                  <a:rPr lang="hr-HR" dirty="0" smtClean="0"/>
+                  <a:t>Govori za </a:t>
+                </a:r>
+                <a:r>
+                  <a:rPr lang="hr-HR" dirty="0"/>
+                  <a:t>koliko je u postotcima novoizračunata površina pomoću algoritma manja od početne površine greške</a:t>
                 </a:r>
               </a:p>
               <a:p>
@@ -14656,7 +13211,7 @@
             </p:txBody>
           </p:sp>
         </mc:Choice>
-        <mc:Fallback>
+        <mc:Fallback xmlns="">
           <p:sp>
             <p:nvSpPr>
               <p:cNvPr id="3" name="Content Placeholder 2"/>
@@ -14671,7 +13226,7 @@
               <a:blipFill rotWithShape="0">
                 <a:blip r:embed="rId2"/>
                 <a:stretch>
-                  <a:fillRect l="-535" t="-1935"/>
+                  <a:fillRect l="-535" t="-1935" r="-1011"/>
                 </a:stretch>
               </a:blipFill>
             </p:spPr>
@@ -14710,7 +13265,7 @@
 </p:sld>
 </file>
 
-<file path=ppt/slides/slide17.xml><?xml version="1.0" encoding="utf-8"?>
+<file path=ppt/slides/slide14.xml><?xml version="1.0" encoding="utf-8"?>
 <p:sld xmlns:a="http://schemas.openxmlformats.org/drawingml/2006/main" xmlns:r="http://schemas.openxmlformats.org/officeDocument/2006/relationships" xmlns:p="http://schemas.openxmlformats.org/presentationml/2006/main">
   <p:cSld>
     <p:spTree>
@@ -14772,7 +13327,7 @@
           <a:p>
             <a:r>
               <a:rPr lang="hr-HR" dirty="0" smtClean="0"/>
-              <a:t>Rezultati</a:t>
+              <a:t>Analiza rezultata</a:t>
             </a:r>
             <a:endParaRPr lang="hr-HR" dirty="0"/>
           </a:p>
@@ -14820,7 +13375,7 @@
 </p:sld>
 </file>
 
-<file path=ppt/slides/slide18.xml><?xml version="1.0" encoding="utf-8"?>
+<file path=ppt/slides/slide15.xml><?xml version="1.0" encoding="utf-8"?>
 <p:sld xmlns:a="http://schemas.openxmlformats.org/drawingml/2006/main" xmlns:r="http://schemas.openxmlformats.org/officeDocument/2006/relationships" xmlns:p="http://schemas.openxmlformats.org/presentationml/2006/main">
   <p:cSld>
     <p:spTree>
@@ -15115,6 +13670,413 @@
 </p:sld>
 </file>
 
+<file path=ppt/slides/slide16.xml><?xml version="1.0" encoding="utf-8"?>
+<p:sld xmlns:a="http://schemas.openxmlformats.org/drawingml/2006/main" xmlns:r="http://schemas.openxmlformats.org/officeDocument/2006/relationships" xmlns:p="http://schemas.openxmlformats.org/presentationml/2006/main">
+  <p:cSld>
+    <p:spTree>
+      <p:nvGrpSpPr>
+        <p:cNvPr id="1" name=""/>
+        <p:cNvGrpSpPr/>
+        <p:nvPr/>
+      </p:nvGrpSpPr>
+      <p:grpSpPr>
+        <a:xfrm>
+          <a:off x="0" y="0"/>
+          <a:ext cx="0" cy="0"/>
+          <a:chOff x="0" y="0"/>
+          <a:chExt cx="0" cy="0"/>
+        </a:xfrm>
+      </p:grpSpPr>
+      <p:sp>
+        <p:nvSpPr>
+          <p:cNvPr id="2" name="Title 1"/>
+          <p:cNvSpPr>
+            <a:spLocks noGrp="1"/>
+          </p:cNvSpPr>
+          <p:nvPr>
+            <p:ph type="title"/>
+          </p:nvPr>
+        </p:nvSpPr>
+        <p:spPr/>
+        <p:txBody>
+          <a:bodyPr/>
+          <a:lstStyle/>
+          <a:p>
+            <a:r>
+              <a:rPr lang="hr-HR" dirty="0" smtClean="0"/>
+              <a:t>Literatura</a:t>
+            </a:r>
+            <a:endParaRPr lang="hr-HR" dirty="0"/>
+          </a:p>
+        </p:txBody>
+      </p:sp>
+      <p:sp>
+        <p:nvSpPr>
+          <p:cNvPr id="3" name="Content Placeholder 2"/>
+          <p:cNvSpPr>
+            <a:spLocks noGrp="1"/>
+          </p:cNvSpPr>
+          <p:nvPr>
+            <p:ph idx="1"/>
+          </p:nvPr>
+        </p:nvSpPr>
+        <p:spPr/>
+        <p:txBody>
+          <a:bodyPr>
+            <a:normAutofit fontScale="62500" lnSpcReduction="20000"/>
+          </a:bodyPr>
+          <a:lstStyle/>
+          <a:p>
+            <a:pPr lvl="0"/>
+            <a:r>
+              <a:rPr lang="hr-HR" dirty="0"/>
+              <a:t>Experts Exchange (2013) </a:t>
+            </a:r>
+            <a:r>
+              <a:rPr lang="hr-HR" i="1" dirty="0"/>
+              <a:t>Industry standard for minimum Wifi signal strength?</a:t>
+            </a:r>
+            <a:r>
+              <a:rPr lang="hr-HR" dirty="0"/>
+              <a:t> Preuzeto 20.08.2016. s </a:t>
+            </a:r>
+            <a:r>
+              <a:rPr lang="hr-HR" u="sng" dirty="0">
+                <a:hlinkClick r:id="rId2"/>
+              </a:rPr>
+              <a:t>https://www.experts-exchange.com/questions/28103112/Industry-standard-for-minimum-Wifi-signal-strength.html</a:t>
+            </a:r>
+            <a:endParaRPr lang="hr-HR" dirty="0"/>
+          </a:p>
+          <a:p>
+            <a:pPr lvl="0"/>
+            <a:r>
+              <a:rPr lang="hr-HR" dirty="0"/>
+              <a:t>Fang X, Tang J, Xue G, Yang D (</a:t>
+            </a:r>
+            <a:r>
+              <a:rPr lang="hr-HR" i="1" dirty="0"/>
+              <a:t>s.a</a:t>
+            </a:r>
+            <a:r>
+              <a:rPr lang="hr-HR" dirty="0"/>
+              <a:t>) </a:t>
+            </a:r>
+            <a:r>
+              <a:rPr lang="hr-HR" i="1" dirty="0"/>
+              <a:t>Crowdsourcing to Smartphones: Incentive Mechanism Design for Mobile Phone Sensing</a:t>
+            </a:r>
+            <a:r>
+              <a:rPr lang="hr-HR" dirty="0"/>
+              <a:t>. Preuzeto 01.09.2016. s </a:t>
+            </a:r>
+            <a:r>
+              <a:rPr lang="hr-HR" u="sng" dirty="0">
+                <a:hlinkClick r:id="rId3"/>
+              </a:rPr>
+              <a:t>http://surface.syr.edu/cgi/viewcontent.cgi?article=1237&amp;context=eecs</a:t>
+            </a:r>
+            <a:endParaRPr lang="hr-HR" dirty="0"/>
+          </a:p>
+          <a:p>
+            <a:pPr lvl="0"/>
+            <a:r>
+              <a:rPr lang="hr-HR" dirty="0"/>
+              <a:t>Frančula N (2015) </a:t>
+            </a:r>
+            <a:r>
+              <a:rPr lang="hr-HR" i="1" dirty="0"/>
+              <a:t>Terminologija</a:t>
+            </a:r>
+            <a:r>
+              <a:rPr lang="hr-HR" dirty="0"/>
+              <a:t>. Preuzeto 27.08.2016. s </a:t>
+            </a:r>
+            <a:r>
+              <a:rPr lang="hr-HR" u="sng" dirty="0">
+                <a:hlinkClick r:id="rId4"/>
+              </a:rPr>
+              <a:t>https://bib.irb.hr/datoteka/793247.Masovna_podrska.pdf</a:t>
+            </a:r>
+            <a:endParaRPr lang="hr-HR" dirty="0"/>
+          </a:p>
+          <a:p>
+            <a:pPr lvl="0"/>
+            <a:r>
+              <a:rPr lang="hr-HR" dirty="0"/>
+              <a:t>GPS.GOV (2016) </a:t>
+            </a:r>
+            <a:r>
+              <a:rPr lang="hr-HR" i="1" dirty="0"/>
+              <a:t>Official U.S. Government information about the Global Positioning System (GPS) and related topics</a:t>
+            </a:r>
+            <a:r>
+              <a:rPr lang="hr-HR" dirty="0"/>
+              <a:t>. Preuzeto 18.08.2016. s </a:t>
+            </a:r>
+            <a:r>
+              <a:rPr lang="hr-HR" u="sng" dirty="0">
+                <a:hlinkClick r:id="rId5"/>
+              </a:rPr>
+              <a:t>http://www.gps.gov/</a:t>
+            </a:r>
+            <a:endParaRPr lang="hr-HR" dirty="0"/>
+          </a:p>
+          <a:p>
+            <a:pPr lvl="0"/>
+            <a:r>
+              <a:rPr lang="hr-HR" dirty="0"/>
+              <a:t>Merriam Webster (2016) </a:t>
+            </a:r>
+            <a:r>
+              <a:rPr lang="hr-HR" i="1" dirty="0"/>
+              <a:t>Dictionary – Radio Frequency</a:t>
+            </a:r>
+            <a:r>
+              <a:rPr lang="hr-HR" dirty="0"/>
+              <a:t>. Preuzeto 20.08.2016. s </a:t>
+            </a:r>
+            <a:r>
+              <a:rPr lang="hr-HR" u="sng" dirty="0">
+                <a:hlinkClick r:id="rId6"/>
+              </a:rPr>
+              <a:t>http://www.merriam-webster.com/dictionary/radio%20frequency</a:t>
+            </a:r>
+            <a:endParaRPr lang="hr-HR" dirty="0"/>
+          </a:p>
+          <a:p>
+            <a:pPr lvl="0"/>
+            <a:r>
+              <a:rPr lang="hr-HR" dirty="0"/>
+              <a:t>Sayler K (2015) </a:t>
+            </a:r>
+            <a:r>
+              <a:rPr lang="hr-HR" i="1" dirty="0"/>
+              <a:t>A World of Proliferated Drones: A Technology Primer</a:t>
+            </a:r>
+            <a:r>
+              <a:rPr lang="hr-HR" dirty="0"/>
+              <a:t>. Washington, DC: Center for a New American Security. Preuzeto 20.08.2016. s </a:t>
+            </a:r>
+            <a:r>
+              <a:rPr lang="hr-HR" u="sng" dirty="0">
+                <a:hlinkClick r:id="rId7"/>
+              </a:rPr>
+              <a:t>http://www.cnas.org/sites/default/files/publications-pdf/CNAS%20World%20of%20Drones_052115.pdf</a:t>
+            </a:r>
+            <a:endParaRPr lang="hr-HR" dirty="0"/>
+          </a:p>
+          <a:p>
+            <a:pPr lvl="0"/>
+            <a:r>
+              <a:rPr lang="hr-HR" dirty="0"/>
+              <a:t>TheUAV.com (2016) </a:t>
+            </a:r>
+            <a:r>
+              <a:rPr lang="hr-HR" i="1" dirty="0"/>
+              <a:t>The UAV – Unmanned Aerial Vechile</a:t>
+            </a:r>
+            <a:r>
+              <a:rPr lang="hr-HR" dirty="0"/>
+              <a:t>. Preuzeto 18.08.2016. s </a:t>
+            </a:r>
+            <a:r>
+              <a:rPr lang="hr-HR" u="sng" dirty="0">
+                <a:hlinkClick r:id="rId8"/>
+              </a:rPr>
+              <a:t>http://www.theuav.com/index.html</a:t>
+            </a:r>
+            <a:endParaRPr lang="hr-HR" dirty="0"/>
+          </a:p>
+          <a:p>
+            <a:pPr lvl="0"/>
+            <a:r>
+              <a:rPr lang="hr-HR" dirty="0"/>
+              <a:t>Tomaš B (2013) </a:t>
+            </a:r>
+            <a:r>
+              <a:rPr lang="hr-HR" i="1" dirty="0"/>
+              <a:t>WiFi roaming in urban multi-sensor environment.</a:t>
+            </a:r>
+            <a:r>
+              <a:rPr lang="hr-HR" dirty="0"/>
+              <a:t> Sveučilište u Zagrebu, Fakultet organizacije i informatike Varaždin.</a:t>
+            </a:r>
+          </a:p>
+          <a:p>
+            <a:pPr lvl="0"/>
+            <a:r>
+              <a:rPr lang="hr-HR" dirty="0"/>
+              <a:t>Villasensor J (2012) </a:t>
+            </a:r>
+            <a:r>
+              <a:rPr lang="hr-HR" i="1" dirty="0"/>
+              <a:t>What Is A Drone, Anyway?</a:t>
+            </a:r>
+            <a:r>
+              <a:rPr lang="hr-HR" dirty="0"/>
+              <a:t> Preuzeto 20.08.2016. s </a:t>
+            </a:r>
+            <a:r>
+              <a:rPr lang="hr-HR" dirty="0">
+                <a:hlinkClick r:id="rId9"/>
+              </a:rPr>
+              <a:t>http://blogs.scientificamerican.com/guest-blog/what-is-a-drone-anyway/</a:t>
+            </a:r>
+            <a:endParaRPr lang="hr-HR" dirty="0"/>
+          </a:p>
+          <a:p>
+            <a:endParaRPr lang="hr-HR" dirty="0"/>
+          </a:p>
+        </p:txBody>
+      </p:sp>
+    </p:spTree>
+    <p:extLst>
+      <p:ext uri="{BB962C8B-B14F-4D97-AF65-F5344CB8AC3E}">
+        <p14:creationId xmlns:p14="http://schemas.microsoft.com/office/powerpoint/2010/main" val="2341177730"/>
+      </p:ext>
+    </p:extLst>
+  </p:cSld>
+  <p:clrMapOvr>
+    <a:masterClrMapping/>
+  </p:clrMapOvr>
+  <p:timing>
+    <p:tnLst>
+      <p:par>
+        <p:cTn id="1" dur="indefinite" restart="never" nodeType="tmRoot"/>
+      </p:par>
+    </p:tnLst>
+  </p:timing>
+</p:sld>
+</file>
+
+<file path=ppt/slides/slide17.xml><?xml version="1.0" encoding="utf-8"?>
+<p:sld xmlns:a="http://schemas.openxmlformats.org/drawingml/2006/main" xmlns:r="http://schemas.openxmlformats.org/officeDocument/2006/relationships" xmlns:p="http://schemas.openxmlformats.org/presentationml/2006/main">
+  <p:cSld>
+    <p:spTree>
+      <p:nvGrpSpPr>
+        <p:cNvPr id="1" name=""/>
+        <p:cNvGrpSpPr/>
+        <p:nvPr/>
+      </p:nvGrpSpPr>
+      <p:grpSpPr>
+        <a:xfrm>
+          <a:off x="0" y="0"/>
+          <a:ext cx="0" cy="0"/>
+          <a:chOff x="0" y="0"/>
+          <a:chExt cx="0" cy="0"/>
+        </a:xfrm>
+      </p:grpSpPr>
+      <p:sp>
+        <p:nvSpPr>
+          <p:cNvPr id="2" name="Title 1"/>
+          <p:cNvSpPr>
+            <a:spLocks noGrp="1"/>
+          </p:cNvSpPr>
+          <p:nvPr>
+            <p:ph type="title"/>
+          </p:nvPr>
+        </p:nvSpPr>
+        <p:spPr>
+          <a:xfrm>
+            <a:off x="3695080" y="2518665"/>
+            <a:ext cx="4218326" cy="931241"/>
+          </a:xfrm>
+        </p:spPr>
+        <p:txBody>
+          <a:bodyPr/>
+          <a:lstStyle/>
+          <a:p>
+            <a:r>
+              <a:rPr lang="hr-HR" dirty="0" smtClean="0"/>
+              <a:t>Hvala na pažnji </a:t>
+            </a:r>
+            <a:r>
+              <a:rPr lang="hr-HR" dirty="0" smtClean="0">
+                <a:sym typeface="Wingdings" panose="05000000000000000000" pitchFamily="2" charset="2"/>
+              </a:rPr>
+              <a:t></a:t>
+            </a:r>
+            <a:endParaRPr lang="hr-HR" dirty="0"/>
+          </a:p>
+        </p:txBody>
+      </p:sp>
+      <p:sp>
+        <p:nvSpPr>
+          <p:cNvPr id="4" name="Title 1"/>
+          <p:cNvSpPr txBox="1">
+            <a:spLocks/>
+          </p:cNvSpPr>
+          <p:nvPr/>
+        </p:nvSpPr>
+        <p:spPr>
+          <a:xfrm>
+            <a:off x="4715590" y="3449906"/>
+            <a:ext cx="2177305" cy="931241"/>
+          </a:xfrm>
+          <a:prstGeom prst="rect">
+            <a:avLst/>
+          </a:prstGeom>
+        </p:spPr>
+        <p:txBody>
+          <a:bodyPr vert="horz" lIns="91440" tIns="45720" rIns="91440" bIns="45720" rtlCol="0" anchor="ctr">
+            <a:normAutofit/>
+          </a:bodyPr>
+          <a:lstStyle>
+            <a:lvl1pPr algn="l" defTabSz="914400" rtl="0" eaLnBrk="1" latinLnBrk="0" hangingPunct="1">
+              <a:lnSpc>
+                <a:spcPct val="90000"/>
+              </a:lnSpc>
+              <a:spcBef>
+                <a:spcPct val="0"/>
+              </a:spcBef>
+              <a:buNone/>
+              <a:defRPr sz="4200" b="1" kern="1200">
+                <a:solidFill>
+                  <a:schemeClr val="tx1"/>
+                </a:solidFill>
+                <a:effectLst>
+                  <a:outerShdw blurRad="38100" dist="38100" dir="2700000" algn="tl">
+                    <a:srgbClr val="000000">
+                      <a:alpha val="43137"/>
+                    </a:srgbClr>
+                  </a:outerShdw>
+                </a:effectLst>
+                <a:latin typeface="+mj-lt"/>
+                <a:ea typeface="+mj-ea"/>
+                <a:cs typeface="+mj-cs"/>
+              </a:defRPr>
+            </a:lvl1pPr>
+          </a:lstStyle>
+          <a:p>
+            <a:r>
+              <a:rPr lang="hr-HR" dirty="0" smtClean="0"/>
+              <a:t>Pitanja?</a:t>
+            </a:r>
+            <a:endParaRPr lang="hr-HR" dirty="0"/>
+          </a:p>
+        </p:txBody>
+      </p:sp>
+    </p:spTree>
+    <p:extLst>
+      <p:ext uri="{BB962C8B-B14F-4D97-AF65-F5344CB8AC3E}">
+        <p14:creationId xmlns:p14="http://schemas.microsoft.com/office/powerpoint/2010/main" val="3287051687"/>
+      </p:ext>
+    </p:extLst>
+  </p:cSld>
+  <p:clrMapOvr>
+    <a:masterClrMapping/>
+  </p:clrMapOvr>
+  <p:timing>
+    <p:tnLst>
+      <p:par>
+        <p:cTn id="1" dur="indefinite" restart="never" nodeType="tmRoot"/>
+      </p:par>
+    </p:tnLst>
+  </p:timing>
+</p:sld>
+</file>
+
 <file path=ppt/slides/slide2.xml><?xml version="1.0" encoding="utf-8"?>
 <p:sld xmlns:a="http://schemas.openxmlformats.org/drawingml/2006/main" xmlns:r="http://schemas.openxmlformats.org/officeDocument/2006/relationships" xmlns:p="http://schemas.openxmlformats.org/presentationml/2006/main">
   <p:cSld>
@@ -15174,7 +14136,7 @@
           <a:p>
             <a:r>
               <a:rPr lang="hr-HR" dirty="0" smtClean="0"/>
-              <a:t>Uvod - osnovni pojmovi</a:t>
+              <a:t>Uvod</a:t>
             </a:r>
           </a:p>
           <a:p>
@@ -15186,12 +14148,6 @@
           <a:p>
             <a:r>
               <a:rPr lang="hr-HR" dirty="0" smtClean="0"/>
-              <a:t>Model drona</a:t>
-            </a:r>
-          </a:p>
-          <a:p>
-            <a:r>
-              <a:rPr lang="hr-HR" dirty="0" smtClean="0"/>
               <a:t>Algoritam za korekciju</a:t>
             </a:r>
           </a:p>
@@ -15212,7 +14168,6 @@
               <a:rPr lang="hr-HR" dirty="0" smtClean="0"/>
               <a:t>Zaključak</a:t>
             </a:r>
-            <a:endParaRPr lang="hr-HR" dirty="0" smtClean="0"/>
           </a:p>
           <a:p>
             <a:r>
@@ -15277,7 +14232,7 @@
           <a:p>
             <a:r>
               <a:rPr lang="hr-HR" dirty="0" smtClean="0"/>
-              <a:t>Uvod – osnovni pojmovi</a:t>
+              <a:t>Uvod</a:t>
             </a:r>
             <a:endParaRPr lang="hr-HR" dirty="0"/>
           </a:p>
@@ -15293,86 +14248,285 @@
             <p:ph idx="1"/>
           </p:nvPr>
         </p:nvSpPr>
-        <p:spPr/>
+        <p:spPr>
+          <a:xfrm>
+            <a:off x="1105704" y="1451077"/>
+            <a:ext cx="10248096" cy="2668000"/>
+          </a:xfrm>
+        </p:spPr>
         <p:txBody>
           <a:bodyPr/>
           <a:lstStyle/>
           <a:p>
             <a:r>
               <a:rPr lang="hr-HR" dirty="0" smtClean="0"/>
-              <a:t>GPS (eng. </a:t>
-            </a:r>
-            <a:r>
-              <a:rPr lang="hr-HR" i="1" dirty="0" smtClean="0"/>
-              <a:t>Global Positioning System</a:t>
-            </a:r>
+              <a:t>Autonomna (bespilotna) letjelica</a:t>
+            </a:r>
+          </a:p>
+          <a:p>
+            <a:pPr lvl="1"/>
             <a:r>
               <a:rPr lang="hr-HR" dirty="0" smtClean="0"/>
-              <a:t>)</a:t>
-            </a:r>
-          </a:p>
-          <a:p>
-            <a:pPr lvl="1"/>
+              <a:t>Dron (čvor):</a:t>
+            </a:r>
+          </a:p>
+          <a:p>
+            <a:pPr lvl="2"/>
+            <a:r>
+              <a:rPr lang="hr-HR" dirty="0"/>
+              <a:t>kretanje u 2D prostoru</a:t>
+            </a:r>
+          </a:p>
+          <a:p>
+            <a:pPr lvl="2"/>
+            <a:r>
+              <a:rPr lang="hr-HR" dirty="0"/>
+              <a:t>ID, naziv</a:t>
+            </a:r>
+          </a:p>
+          <a:p>
+            <a:pPr lvl="2"/>
             <a:r>
               <a:rPr lang="hr-HR" dirty="0" smtClean="0"/>
-              <a:t>američki sustav koji korisnicima omogućava pozicioniranje, navigaciju i vremenske usluge</a:t>
-            </a:r>
-          </a:p>
-          <a:p>
-            <a:pPr lvl="1"/>
+              <a:t>GPS prijemnik        lokacija </a:t>
+            </a:r>
+            <a:r>
+              <a:rPr lang="hr-HR" dirty="0"/>
+              <a:t>(</a:t>
+            </a:r>
             <a:r>
               <a:rPr lang="hr-HR" dirty="0" smtClean="0"/>
-              <a:t>3 segmenta: svemirski, kontrolni, korisnički</a:t>
-            </a:r>
-          </a:p>
-          <a:p>
-            <a:pPr lvl="1"/>
+              <a:t>x,y), GPS </a:t>
+            </a:r>
+            <a:r>
+              <a:rPr lang="hr-HR" dirty="0"/>
+              <a:t>greška (x,y)</a:t>
+            </a:r>
+          </a:p>
+          <a:p>
+            <a:pPr lvl="2"/>
+            <a:r>
+              <a:rPr lang="hr-HR" dirty="0"/>
+              <a:t>smjer </a:t>
+            </a:r>
             <a:r>
               <a:rPr lang="hr-HR" dirty="0" smtClean="0"/>
-              <a:t>GPS prijemnici ugrađeni u autonomne letjelice</a:t>
-            </a:r>
-          </a:p>
-          <a:p>
+              <a:t>kretanja, brzina kretanja (za potrebe simulacije)</a:t>
+            </a:r>
+          </a:p>
+          <a:p>
+            <a:pPr lvl="2"/>
             <a:r>
               <a:rPr lang="hr-HR" dirty="0" smtClean="0"/>
-              <a:t>Autonomna letjelica (eng. </a:t>
-            </a:r>
-            <a:r>
-              <a:rPr lang="hr-HR" i="1" dirty="0" smtClean="0"/>
-              <a:t>Unmanned Aerial Vechile – UAV</a:t>
-            </a:r>
-            <a:r>
-              <a:rPr lang="hr-HR" dirty="0" smtClean="0"/>
-              <a:t>)</a:t>
-            </a:r>
-          </a:p>
-          <a:p>
-            <a:pPr lvl="1"/>
-            <a:r>
-              <a:rPr lang="hr-HR" dirty="0" smtClean="0"/>
-              <a:t>letjelica bez posade (pilota), upravljanje na daljinu, autonomni let</a:t>
-            </a:r>
-          </a:p>
-          <a:p>
-            <a:pPr lvl="1"/>
-            <a:r>
-              <a:rPr lang="hr-HR" dirty="0" smtClean="0"/>
-              <a:t>senzori: kamere, odašiljači, prijemnici</a:t>
-            </a:r>
-          </a:p>
-          <a:p>
-            <a:pPr lvl="1"/>
-            <a:r>
-              <a:rPr lang="hr-HR" dirty="0" smtClean="0"/>
-              <a:t>upotreba: vojne i civilne svrhe</a:t>
-            </a:r>
-          </a:p>
-        </p:txBody>
-      </p:sp>
+              <a:t>RF antena         mogućnost </a:t>
+            </a:r>
+            <a:r>
+              <a:rPr lang="hr-HR" dirty="0"/>
+              <a:t>slanja/primanja podataka putem WiFi signala</a:t>
+            </a:r>
+          </a:p>
+          <a:p>
+            <a:pPr lvl="2"/>
+            <a:endParaRPr lang="hr-HR" dirty="0"/>
+          </a:p>
+        </p:txBody>
+      </p:sp>
+      <p:cxnSp>
+        <p:nvCxnSpPr>
+          <p:cNvPr id="4" name="Straight Arrow Connector 3"/>
+          <p:cNvCxnSpPr/>
+          <p:nvPr/>
+        </p:nvCxnSpPr>
+        <p:spPr>
+          <a:xfrm>
+            <a:off x="3863208" y="3113518"/>
+            <a:ext cx="283029" cy="0"/>
+          </a:xfrm>
+          <a:prstGeom prst="straightConnector1">
+            <a:avLst/>
+          </a:prstGeom>
+          <a:ln w="57150">
+            <a:tailEnd type="triangle"/>
+          </a:ln>
+        </p:spPr>
+        <p:style>
+          <a:lnRef idx="1">
+            <a:schemeClr val="accent1"/>
+          </a:lnRef>
+          <a:fillRef idx="0">
+            <a:schemeClr val="accent1"/>
+          </a:fillRef>
+          <a:effectRef idx="0">
+            <a:schemeClr val="accent1"/>
+          </a:effectRef>
+          <a:fontRef idx="minor">
+            <a:schemeClr val="tx1"/>
+          </a:fontRef>
+        </p:style>
+      </p:cxnSp>
+      <p:cxnSp>
+        <p:nvCxnSpPr>
+          <p:cNvPr id="5" name="Straight Arrow Connector 4"/>
+          <p:cNvCxnSpPr/>
+          <p:nvPr/>
+        </p:nvCxnSpPr>
+        <p:spPr>
+          <a:xfrm>
+            <a:off x="3468678" y="3812848"/>
+            <a:ext cx="283029" cy="0"/>
+          </a:xfrm>
+          <a:prstGeom prst="straightConnector1">
+            <a:avLst/>
+          </a:prstGeom>
+          <a:ln w="57150">
+            <a:tailEnd type="triangle"/>
+          </a:ln>
+        </p:spPr>
+        <p:style>
+          <a:lnRef idx="1">
+            <a:schemeClr val="accent1"/>
+          </a:lnRef>
+          <a:fillRef idx="0">
+            <a:schemeClr val="accent1"/>
+          </a:fillRef>
+          <a:effectRef idx="0">
+            <a:schemeClr val="accent1"/>
+          </a:effectRef>
+          <a:fontRef idx="minor">
+            <a:schemeClr val="tx1"/>
+          </a:fontRef>
+        </p:style>
+      </p:cxnSp>
+      <p:sp>
+        <p:nvSpPr>
+          <p:cNvPr id="6" name="Right Brace 5"/>
+          <p:cNvSpPr/>
+          <p:nvPr/>
+        </p:nvSpPr>
+        <p:spPr>
+          <a:xfrm rot="5400000">
+            <a:off x="5657316" y="27949"/>
+            <a:ext cx="303374" cy="8242418"/>
+          </a:xfrm>
+          <a:prstGeom prst="rightBrace">
+            <a:avLst/>
+          </a:prstGeom>
+          <a:ln w="28575"/>
+        </p:spPr>
+        <p:style>
+          <a:lnRef idx="1">
+            <a:schemeClr val="accent1"/>
+          </a:lnRef>
+          <a:fillRef idx="0">
+            <a:schemeClr val="accent1"/>
+          </a:fillRef>
+          <a:effectRef idx="0">
+            <a:schemeClr val="accent1"/>
+          </a:effectRef>
+          <a:fontRef idx="minor">
+            <a:schemeClr val="tx1"/>
+          </a:fontRef>
+        </p:style>
+        <p:txBody>
+          <a:bodyPr rtlCol="0" anchor="ctr"/>
+          <a:lstStyle/>
+          <a:p>
+            <a:pPr algn="ctr"/>
+            <a:endParaRPr lang="hr-HR"/>
+          </a:p>
+        </p:txBody>
+      </p:sp>
+      <p:sp>
+        <p:nvSpPr>
+          <p:cNvPr id="7" name="TextBox 6"/>
+          <p:cNvSpPr txBox="1"/>
+          <p:nvPr/>
+        </p:nvSpPr>
+        <p:spPr>
+          <a:xfrm>
+            <a:off x="1687794" y="4422451"/>
+            <a:ext cx="9092726" cy="1323439"/>
+          </a:xfrm>
+          <a:prstGeom prst="rect">
+            <a:avLst/>
+          </a:prstGeom>
+          <a:noFill/>
+        </p:spPr>
+        <p:txBody>
+          <a:bodyPr wrap="square" rtlCol="0">
+            <a:spAutoFit/>
+          </a:bodyPr>
+          <a:lstStyle/>
+          <a:p>
+            <a:r>
+              <a:rPr lang="hr-HR" sz="2000" dirty="0" smtClean="0"/>
+              <a:t>Jato dronova        pozicijski sustav čvorova:</a:t>
+            </a:r>
+          </a:p>
+          <a:p>
+            <a:pPr marL="285750" indent="-285750">
+              <a:buFont typeface="Arial" panose="020B0604020202020204" pitchFamily="34" charset="0"/>
+              <a:buChar char="•"/>
+            </a:pPr>
+            <a:r>
+              <a:rPr lang="hr-HR" sz="2000" dirty="0"/>
+              <a:t>č</a:t>
+            </a:r>
+            <a:r>
+              <a:rPr lang="hr-HR" sz="2000" dirty="0" smtClean="0"/>
+              <a:t>vorovi – referentne točke (sateliti) koji međusobno razmjenjuju podatke putem WiFi mreže</a:t>
+            </a:r>
+            <a:endParaRPr lang="hr-HR" sz="2000" dirty="0"/>
+          </a:p>
+          <a:p>
+            <a:pPr marL="285750" indent="-285750">
+              <a:buFont typeface="Arial" panose="020B0604020202020204" pitchFamily="34" charset="0"/>
+              <a:buChar char="•"/>
+            </a:pPr>
+            <a:r>
+              <a:rPr lang="hr-HR" sz="2000" dirty="0" smtClean="0"/>
+              <a:t>na temelju podataka i RF propagacije signala lociranje čvorova može biti preciznije</a:t>
+            </a:r>
+          </a:p>
+        </p:txBody>
+      </p:sp>
+      <p:cxnSp>
+        <p:nvCxnSpPr>
+          <p:cNvPr id="8" name="Straight Arrow Connector 7"/>
+          <p:cNvCxnSpPr/>
+          <p:nvPr/>
+        </p:nvCxnSpPr>
+        <p:spPr>
+          <a:xfrm>
+            <a:off x="3190939" y="4631820"/>
+            <a:ext cx="283029" cy="0"/>
+          </a:xfrm>
+          <a:prstGeom prst="straightConnector1">
+            <a:avLst/>
+          </a:prstGeom>
+          <a:ln w="57150">
+            <a:tailEnd type="triangle"/>
+          </a:ln>
+        </p:spPr>
+        <p:style>
+          <a:lnRef idx="1">
+            <a:schemeClr val="accent1"/>
+          </a:lnRef>
+          <a:fillRef idx="0">
+            <a:schemeClr val="accent1"/>
+          </a:fillRef>
+          <a:effectRef idx="0">
+            <a:schemeClr val="accent1"/>
+          </a:effectRef>
+          <a:fontRef idx="minor">
+            <a:schemeClr val="tx1"/>
+          </a:fontRef>
+        </p:style>
+      </p:cxnSp>
     </p:spTree>
     <p:extLst>
       <p:ext uri="{BB962C8B-B14F-4D97-AF65-F5344CB8AC3E}">
-        <p14:creationId xmlns:p14="http://schemas.microsoft.com/office/powerpoint/2010/main" val="753306311"/>
+        <p14:creationId xmlns:p14="http://schemas.microsoft.com/office/powerpoint/2010/main" val="3209604496"/>
       </p:ext>
     </p:extLst>
   </p:cSld>
@@ -15423,7 +14577,7 @@
           <a:p>
             <a:r>
               <a:rPr lang="hr-HR" dirty="0" smtClean="0"/>
-              <a:t>Uvod – osnovni pojmovi</a:t>
+              <a:t>Uvod</a:t>
             </a:r>
             <a:endParaRPr lang="hr-HR" dirty="0"/>
           </a:p>
@@ -15441,10 +14595,15 @@
                 <p:ph idx="1"/>
               </p:nvPr>
             </p:nvSpPr>
-            <p:spPr/>
+            <p:spPr>
+              <a:xfrm>
+                <a:off x="1105704" y="1451076"/>
+                <a:ext cx="10248096" cy="5189006"/>
+              </a:xfrm>
+            </p:spPr>
             <p:txBody>
               <a:bodyPr>
-                <a:normAutofit fontScale="92500" lnSpcReduction="10000"/>
+                <a:normAutofit/>
               </a:bodyPr>
               <a:lstStyle/>
               <a:p>
@@ -15464,7 +14623,15 @@
                 <a:pPr lvl="1"/>
                 <a:r>
                   <a:rPr lang="hr-HR" dirty="0" smtClean="0"/>
-                  <a:t>izračun udaljenosti između dvije točke:</a:t>
+                  <a:t>izračun udaljenosti između dvije točke (</a:t>
+                </a:r>
+                <a:r>
+                  <a:rPr lang="hr-HR" dirty="0"/>
+                  <a:t>formula za gubitke propagacije u neomeđenom </a:t>
+                </a:r>
+                <a:r>
+                  <a:rPr lang="hr-HR" dirty="0" smtClean="0"/>
+                  <a:t>prostoru):</a:t>
                 </a:r>
                 <a:br>
                   <a:rPr lang="hr-HR" dirty="0" smtClean="0"/>
@@ -15650,9 +14817,17 @@
               </a:p>
               <a:p>
                 <a:pPr lvl="2"/>
+                <a:endParaRPr lang="hr-HR" dirty="0" smtClean="0"/>
+              </a:p>
+              <a:p>
+                <a:pPr lvl="2"/>
+                <a:r>
+                  <a:rPr lang="hr-HR" dirty="0" smtClean="0"/>
+                  <a:t>R </a:t>
+                </a:r>
                 <a:r>
                   <a:rPr lang="hr-HR" dirty="0"/>
-                  <a:t>R – jačina primljenog </a:t>
+                  <a:t>– jačina primljenog </a:t>
                 </a:r>
                 <a:r>
                   <a:rPr lang="hr-HR" dirty="0" smtClean="0"/>
@@ -15734,25 +14909,7 @@
                 </a:r>
               </a:p>
               <a:p>
-                <a:r>
-                  <a:rPr lang="hr-HR" dirty="0" smtClean="0"/>
-                  <a:t>masovna podrška (eng. </a:t>
-                </a:r>
-                <a:r>
-                  <a:rPr lang="hr-HR" i="1" dirty="0" smtClean="0"/>
-                  <a:t>crowdsourcing</a:t>
-                </a:r>
-                <a:r>
-                  <a:rPr lang="hr-HR" dirty="0" smtClean="0"/>
-                  <a:t>)</a:t>
-                </a:r>
-              </a:p>
-              <a:p>
-                <a:pPr lvl="1"/>
-                <a:r>
-                  <a:rPr lang="hr-HR" dirty="0"/>
-                  <a:t>postupak dobivanja potrebnih usluga, ideja ili podataka od neodređene skupine ljudi</a:t>
-                </a:r>
+                <a:endParaRPr lang="hr-HR" dirty="0" smtClean="0"/>
               </a:p>
             </p:txBody>
           </p:sp>
@@ -15769,10 +14926,14 @@
               </p:nvPr>
             </p:nvSpPr>
             <p:spPr>
+              <a:xfrm>
+                <a:off x="1105704" y="1451076"/>
+                <a:ext cx="10248096" cy="5189006"/>
+              </a:xfrm>
               <a:blipFill rotWithShape="0">
                 <a:blip r:embed="rId2"/>
                 <a:stretch>
-                  <a:fillRect l="-416" t="-2452"/>
+                  <a:fillRect l="-535" t="-1763"/>
                 </a:stretch>
               </a:blipFill>
             </p:spPr>
@@ -15890,7 +15051,15 @@
             <a:pPr lvl="1"/>
             <a:r>
               <a:rPr lang="hr-HR" dirty="0"/>
-              <a:t>simulirati kreatnje jata dronova u otvorenom prostoru</a:t>
+              <a:t>simulirati </a:t>
+            </a:r>
+            <a:r>
+              <a:rPr lang="hr-HR" dirty="0" smtClean="0"/>
+              <a:t>kretanje </a:t>
+            </a:r>
+            <a:r>
+              <a:rPr lang="hr-HR" dirty="0"/>
+              <a:t>jata dronova u otvorenom prostoru</a:t>
             </a:r>
           </a:p>
           <a:p>
@@ -15975,158 +15144,6 @@
           <a:p>
             <a:r>
               <a:rPr lang="hr-HR" dirty="0" smtClean="0"/>
-              <a:t>Model drona</a:t>
-            </a:r>
-            <a:endParaRPr lang="hr-HR" dirty="0"/>
-          </a:p>
-        </p:txBody>
-      </p:sp>
-      <p:sp>
-        <p:nvSpPr>
-          <p:cNvPr id="3" name="Content Placeholder 2"/>
-          <p:cNvSpPr>
-            <a:spLocks noGrp="1"/>
-          </p:cNvSpPr>
-          <p:nvPr>
-            <p:ph idx="1"/>
-          </p:nvPr>
-        </p:nvSpPr>
-        <p:spPr/>
-        <p:txBody>
-          <a:bodyPr/>
-          <a:lstStyle/>
-          <a:p>
-            <a:r>
-              <a:rPr lang="hr-HR" dirty="0" smtClean="0"/>
-              <a:t>svojstva svakog drona (čvora):</a:t>
-            </a:r>
-          </a:p>
-          <a:p>
-            <a:pPr lvl="1"/>
-            <a:r>
-              <a:rPr lang="hr-HR" dirty="0" smtClean="0"/>
-              <a:t>kretanje u 2D prostoru</a:t>
-            </a:r>
-          </a:p>
-          <a:p>
-            <a:pPr lvl="1"/>
-            <a:r>
-              <a:rPr lang="hr-HR" dirty="0" smtClean="0"/>
-              <a:t>ID, naziv</a:t>
-            </a:r>
-          </a:p>
-          <a:p>
-            <a:pPr lvl="1"/>
-            <a:r>
-              <a:rPr lang="hr-HR" dirty="0" smtClean="0"/>
-              <a:t>lokacija (x,y)</a:t>
-            </a:r>
-          </a:p>
-          <a:p>
-            <a:pPr lvl="1"/>
-            <a:r>
-              <a:rPr lang="hr-HR" dirty="0" smtClean="0"/>
-              <a:t>GPS greška (x,y)</a:t>
-            </a:r>
-          </a:p>
-          <a:p>
-            <a:pPr lvl="1"/>
-            <a:r>
-              <a:rPr lang="hr-HR" dirty="0" smtClean="0"/>
-              <a:t>smjer kretanja</a:t>
-            </a:r>
-          </a:p>
-          <a:p>
-            <a:pPr lvl="1"/>
-            <a:r>
-              <a:rPr lang="hr-HR" dirty="0" smtClean="0"/>
-              <a:t>brzina kretanja</a:t>
-            </a:r>
-          </a:p>
-          <a:p>
-            <a:r>
-              <a:rPr lang="hr-HR" dirty="0" smtClean="0"/>
-              <a:t>oprema svakog drona (čvora):</a:t>
-            </a:r>
-          </a:p>
-          <a:p>
-            <a:pPr lvl="1"/>
-            <a:r>
-              <a:rPr lang="hr-HR" dirty="0" smtClean="0"/>
-              <a:t>GPS prijemnik</a:t>
-            </a:r>
-          </a:p>
-          <a:p>
-            <a:pPr lvl="1"/>
-            <a:r>
-              <a:rPr lang="hr-HR" dirty="0" smtClean="0"/>
-              <a:t>RF antena (mogućnost slanja/primanja podataka putem WiFi signala)</a:t>
-            </a:r>
-          </a:p>
-          <a:p>
-            <a:pPr lvl="1"/>
-            <a:endParaRPr lang="hr-HR" dirty="0" smtClean="0"/>
-          </a:p>
-          <a:p>
-            <a:pPr lvl="1"/>
-            <a:endParaRPr lang="hr-HR" dirty="0"/>
-          </a:p>
-        </p:txBody>
-      </p:sp>
-    </p:spTree>
-    <p:extLst>
-      <p:ext uri="{BB962C8B-B14F-4D97-AF65-F5344CB8AC3E}">
-        <p14:creationId xmlns:p14="http://schemas.microsoft.com/office/powerpoint/2010/main" val="3766230567"/>
-      </p:ext>
-    </p:extLst>
-  </p:cSld>
-  <p:clrMapOvr>
-    <a:masterClrMapping/>
-  </p:clrMapOvr>
-  <p:timing>
-    <p:tnLst>
-      <p:par>
-        <p:cTn id="1" dur="indefinite" restart="never" nodeType="tmRoot"/>
-      </p:par>
-    </p:tnLst>
-  </p:timing>
-</p:sld>
-</file>
-
-<file path=ppt/slides/slide7.xml><?xml version="1.0" encoding="utf-8"?>
-<p:sld xmlns:a="http://schemas.openxmlformats.org/drawingml/2006/main" xmlns:r="http://schemas.openxmlformats.org/officeDocument/2006/relationships" xmlns:p="http://schemas.openxmlformats.org/presentationml/2006/main">
-  <p:cSld>
-    <p:spTree>
-      <p:nvGrpSpPr>
-        <p:cNvPr id="1" name=""/>
-        <p:cNvGrpSpPr/>
-        <p:nvPr/>
-      </p:nvGrpSpPr>
-      <p:grpSpPr>
-        <a:xfrm>
-          <a:off x="0" y="0"/>
-          <a:ext cx="0" cy="0"/>
-          <a:chOff x="0" y="0"/>
-          <a:chExt cx="0" cy="0"/>
-        </a:xfrm>
-      </p:grpSpPr>
-      <p:sp>
-        <p:nvSpPr>
-          <p:cNvPr id="2" name="Title 1"/>
-          <p:cNvSpPr>
-            <a:spLocks noGrp="1"/>
-          </p:cNvSpPr>
-          <p:nvPr>
-            <p:ph type="title"/>
-          </p:nvPr>
-        </p:nvSpPr>
-        <p:spPr/>
-        <p:txBody>
-          <a:bodyPr/>
-          <a:lstStyle/>
-          <a:p>
-            <a:r>
-              <a:rPr lang="hr-HR" dirty="0" smtClean="0"/>
               <a:t>Algoritam za korekciju</a:t>
             </a:r>
             <a:endParaRPr lang="hr-HR" dirty="0"/>
@@ -16230,7 +15247,7 @@
 </p:sld>
 </file>
 
-<file path=ppt/slides/slide8.xml><?xml version="1.0" encoding="utf-8"?>
+<file path=ppt/slides/slide7.xml><?xml version="1.0" encoding="utf-8"?>
 <p:sld xmlns:a="http://schemas.openxmlformats.org/drawingml/2006/main" xmlns:r="http://schemas.openxmlformats.org/officeDocument/2006/relationships" xmlns:p="http://schemas.openxmlformats.org/presentationml/2006/main">
   <p:cSld>
     <p:spTree>
@@ -17291,11 +16308,11 @@
   <p:clrMapOvr>
     <a:masterClrMapping/>
   </p:clrMapOvr>
-  <mc:AlternateContent xmlns:mc="http://schemas.openxmlformats.org/markup-compatibility/2006">
-    <mc:Choice xmlns:p14="http://schemas.microsoft.com/office/powerpoint/2010/main" Requires="p14">
+  <mc:AlternateContent xmlns:mc="http://schemas.openxmlformats.org/markup-compatibility/2006" xmlns:p14="http://schemas.microsoft.com/office/powerpoint/2010/main">
+    <mc:Choice Requires="p14">
       <p:transition spd="slow" p14:dur="2000"/>
     </mc:Choice>
-    <mc:Fallback>
+    <mc:Fallback xmlns="">
       <p:transition spd="slow"/>
     </mc:Fallback>
   </mc:AlternateContent>
@@ -17896,7 +16913,7 @@
 </p:sld>
 </file>
 
-<file path=ppt/slides/slide9.xml><?xml version="1.0" encoding="utf-8"?>
+<file path=ppt/slides/slide8.xml><?xml version="1.0" encoding="utf-8"?>
 <p:sld xmlns:a="http://schemas.openxmlformats.org/drawingml/2006/main" xmlns:r="http://schemas.openxmlformats.org/officeDocument/2006/relationships" xmlns:p="http://schemas.openxmlformats.org/presentationml/2006/main">
   <p:cSld>
     <p:spTree>
@@ -18618,11 +17635,11 @@
   <p:clrMapOvr>
     <a:masterClrMapping/>
   </p:clrMapOvr>
-  <mc:AlternateContent xmlns:mc="http://schemas.openxmlformats.org/markup-compatibility/2006">
-    <mc:Choice xmlns:p14="http://schemas.microsoft.com/office/powerpoint/2010/main" Requires="p14">
+  <mc:AlternateContent xmlns:mc="http://schemas.openxmlformats.org/markup-compatibility/2006" xmlns:p14="http://schemas.microsoft.com/office/powerpoint/2010/main">
+    <mc:Choice Requires="p14">
       <p:transition spd="slow" p14:dur="2000"/>
     </mc:Choice>
-    <mc:Fallback>
+    <mc:Fallback xmlns="">
       <p:transition spd="slow"/>
     </mc:Fallback>
   </mc:AlternateContent>
@@ -18888,6 +17905,1257 @@
       <p:bldP spid="27" grpId="0" animBg="1"/>
       <p:bldP spid="38" grpId="0"/>
       <p:bldP spid="37" grpId="0"/>
+    </p:bldLst>
+  </p:timing>
+</p:sld>
+</file>
+
+<file path=ppt/slides/slide9.xml><?xml version="1.0" encoding="utf-8"?>
+<p:sld xmlns:a="http://schemas.openxmlformats.org/drawingml/2006/main" xmlns:r="http://schemas.openxmlformats.org/officeDocument/2006/relationships" xmlns:p="http://schemas.openxmlformats.org/presentationml/2006/main">
+  <p:cSld>
+    <p:spTree>
+      <p:nvGrpSpPr>
+        <p:cNvPr id="1" name=""/>
+        <p:cNvGrpSpPr/>
+        <p:nvPr/>
+      </p:nvGrpSpPr>
+      <p:grpSpPr>
+        <a:xfrm>
+          <a:off x="0" y="0"/>
+          <a:ext cx="0" cy="0"/>
+          <a:chOff x="0" y="0"/>
+          <a:chExt cx="0" cy="0"/>
+        </a:xfrm>
+      </p:grpSpPr>
+      <p:sp>
+        <p:nvSpPr>
+          <p:cNvPr id="2" name="Title 1"/>
+          <p:cNvSpPr>
+            <a:spLocks noGrp="1"/>
+          </p:cNvSpPr>
+          <p:nvPr>
+            <p:ph type="title"/>
+          </p:nvPr>
+        </p:nvSpPr>
+        <p:spPr/>
+        <p:txBody>
+          <a:bodyPr/>
+          <a:lstStyle/>
+          <a:p>
+            <a:r>
+              <a:rPr lang="hr-HR" dirty="0" smtClean="0"/>
+              <a:t>Algoritam za korekciju</a:t>
+            </a:r>
+            <a:endParaRPr lang="hr-HR" dirty="0"/>
+          </a:p>
+        </p:txBody>
+      </p:sp>
+      <p:sp>
+        <p:nvSpPr>
+          <p:cNvPr id="3" name="Content Placeholder 2"/>
+          <p:cNvSpPr>
+            <a:spLocks noGrp="1"/>
+          </p:cNvSpPr>
+          <p:nvPr>
+            <p:ph idx="1"/>
+          </p:nvPr>
+        </p:nvSpPr>
+        <p:spPr>
+          <a:xfrm>
+            <a:off x="1105704" y="1451076"/>
+            <a:ext cx="10248096" cy="1650689"/>
+          </a:xfrm>
+        </p:spPr>
+        <p:txBody>
+          <a:bodyPr>
+            <a:normAutofit/>
+          </a:bodyPr>
+          <a:lstStyle/>
+          <a:p>
+            <a:r>
+              <a:rPr lang="hr-HR" dirty="0" smtClean="0"/>
+              <a:t>Pseudokod algoritma:</a:t>
+            </a:r>
+          </a:p>
+          <a:p>
+            <a:pPr marL="914400" lvl="1" indent="-457200">
+              <a:buFont typeface="+mj-lt"/>
+              <a:buAutoNum type="arabicPeriod" startAt="3"/>
+            </a:pPr>
+            <a:r>
+              <a:rPr lang="hr-HR" dirty="0"/>
+              <a:t>za svaki vidljivi čvor učini sljedeće:</a:t>
+            </a:r>
+          </a:p>
+          <a:p>
+            <a:pPr marL="1371600" lvl="2" indent="-457200">
+              <a:buFont typeface="+mj-lt"/>
+              <a:buAutoNum type="alphaLcParenR"/>
+            </a:pPr>
+            <a:r>
+              <a:rPr lang="hr-HR" dirty="0"/>
+              <a:t>pomoću očitane jačine signala izračunaj udaljenost do vidljivog </a:t>
+            </a:r>
+            <a:r>
+              <a:rPr lang="hr-HR" dirty="0" smtClean="0"/>
+              <a:t>čvora</a:t>
+            </a:r>
+          </a:p>
+          <a:p>
+            <a:pPr marL="1371600" lvl="2" indent="-457200">
+              <a:buFont typeface="+mj-lt"/>
+              <a:buAutoNum type="alphaLcParenR"/>
+            </a:pPr>
+            <a:r>
+              <a:rPr lang="hr-HR" dirty="0"/>
+              <a:t>prihvati podatke o lokaciji vidljivog čvora</a:t>
+            </a:r>
+          </a:p>
+          <a:p>
+            <a:pPr marL="1371600" lvl="2" indent="-457200">
+              <a:buFont typeface="+mj-lt"/>
+              <a:buAutoNum type="alphaLcParenR"/>
+            </a:pPr>
+            <a:endParaRPr lang="hr-HR" dirty="0"/>
+          </a:p>
+        </p:txBody>
+      </p:sp>
+      <p:sp>
+        <p:nvSpPr>
+          <p:cNvPr id="5" name="Oval 4"/>
+          <p:cNvSpPr/>
+          <p:nvPr/>
+        </p:nvSpPr>
+        <p:spPr>
+          <a:xfrm flipH="1">
+            <a:off x="4977928" y="3814019"/>
+            <a:ext cx="153824" cy="153824"/>
+          </a:xfrm>
+          <a:prstGeom prst="ellipse">
+            <a:avLst/>
+          </a:prstGeom>
+          <a:solidFill>
+            <a:schemeClr val="tx1"/>
+          </a:solidFill>
+          <a:ln>
+            <a:noFill/>
+          </a:ln>
+        </p:spPr>
+        <p:style>
+          <a:lnRef idx="2">
+            <a:schemeClr val="dk1">
+              <a:shade val="50000"/>
+            </a:schemeClr>
+          </a:lnRef>
+          <a:fillRef idx="1">
+            <a:schemeClr val="dk1"/>
+          </a:fillRef>
+          <a:effectRef idx="0">
+            <a:schemeClr val="dk1"/>
+          </a:effectRef>
+          <a:fontRef idx="minor">
+            <a:schemeClr val="lt1"/>
+          </a:fontRef>
+        </p:style>
+        <p:txBody>
+          <a:bodyPr rtlCol="0" anchor="ctr"/>
+          <a:lstStyle/>
+          <a:p>
+            <a:pPr algn="ctr"/>
+            <a:endParaRPr lang="hr-HR"/>
+          </a:p>
+        </p:txBody>
+      </p:sp>
+      <p:sp>
+        <p:nvSpPr>
+          <p:cNvPr id="6" name="Oval 5"/>
+          <p:cNvSpPr/>
+          <p:nvPr/>
+        </p:nvSpPr>
+        <p:spPr>
+          <a:xfrm flipH="1">
+            <a:off x="6870376" y="5782656"/>
+            <a:ext cx="153824" cy="153824"/>
+          </a:xfrm>
+          <a:prstGeom prst="ellipse">
+            <a:avLst/>
+          </a:prstGeom>
+          <a:solidFill>
+            <a:schemeClr val="tx1"/>
+          </a:solidFill>
+          <a:ln>
+            <a:noFill/>
+          </a:ln>
+        </p:spPr>
+        <p:style>
+          <a:lnRef idx="2">
+            <a:schemeClr val="dk1">
+              <a:shade val="50000"/>
+            </a:schemeClr>
+          </a:lnRef>
+          <a:fillRef idx="1">
+            <a:schemeClr val="dk1"/>
+          </a:fillRef>
+          <a:effectRef idx="0">
+            <a:schemeClr val="dk1"/>
+          </a:effectRef>
+          <a:fontRef idx="minor">
+            <a:schemeClr val="lt1"/>
+          </a:fontRef>
+        </p:style>
+        <p:txBody>
+          <a:bodyPr rtlCol="0" anchor="ctr"/>
+          <a:lstStyle/>
+          <a:p>
+            <a:pPr algn="ctr"/>
+            <a:endParaRPr lang="hr-HR"/>
+          </a:p>
+        </p:txBody>
+      </p:sp>
+      <p:sp>
+        <p:nvSpPr>
+          <p:cNvPr id="7" name="Oval 6"/>
+          <p:cNvSpPr/>
+          <p:nvPr/>
+        </p:nvSpPr>
+        <p:spPr>
+          <a:xfrm flipH="1">
+            <a:off x="3469595" y="5170208"/>
+            <a:ext cx="153824" cy="153824"/>
+          </a:xfrm>
+          <a:prstGeom prst="ellipse">
+            <a:avLst/>
+          </a:prstGeom>
+          <a:solidFill>
+            <a:schemeClr val="tx2"/>
+          </a:solidFill>
+          <a:ln>
+            <a:noFill/>
+          </a:ln>
+        </p:spPr>
+        <p:style>
+          <a:lnRef idx="2">
+            <a:schemeClr val="dk1">
+              <a:shade val="50000"/>
+            </a:schemeClr>
+          </a:lnRef>
+          <a:fillRef idx="1">
+            <a:schemeClr val="dk1"/>
+          </a:fillRef>
+          <a:effectRef idx="0">
+            <a:schemeClr val="dk1"/>
+          </a:effectRef>
+          <a:fontRef idx="minor">
+            <a:schemeClr val="lt1"/>
+          </a:fontRef>
+        </p:style>
+        <p:txBody>
+          <a:bodyPr rtlCol="0" anchor="ctr"/>
+          <a:lstStyle/>
+          <a:p>
+            <a:pPr algn="ctr"/>
+            <a:endParaRPr lang="hr-HR"/>
+          </a:p>
+        </p:txBody>
+      </p:sp>
+      <p:sp>
+        <p:nvSpPr>
+          <p:cNvPr id="8" name="TextBox 7"/>
+          <p:cNvSpPr txBox="1"/>
+          <p:nvPr/>
+        </p:nvSpPr>
+        <p:spPr>
+          <a:xfrm>
+            <a:off x="3273041" y="5444384"/>
+            <a:ext cx="350378" cy="369332"/>
+          </a:xfrm>
+          <a:prstGeom prst="rect">
+            <a:avLst/>
+          </a:prstGeom>
+          <a:noFill/>
+        </p:spPr>
+        <p:txBody>
+          <a:bodyPr wrap="square" rtlCol="0">
+            <a:spAutoFit/>
+          </a:bodyPr>
+          <a:lstStyle/>
+          <a:p>
+            <a:r>
+              <a:rPr lang="hr-HR" b="1" dirty="0" smtClean="0">
+                <a:solidFill>
+                  <a:schemeClr val="tx2">
+                    <a:lumMod val="75000"/>
+                  </a:schemeClr>
+                </a:solidFill>
+              </a:rPr>
+              <a:t>A</a:t>
+            </a:r>
+            <a:endParaRPr lang="hr-HR" b="1" dirty="0">
+              <a:solidFill>
+                <a:schemeClr val="tx2">
+                  <a:lumMod val="75000"/>
+                </a:schemeClr>
+              </a:solidFill>
+            </a:endParaRPr>
+          </a:p>
+        </p:txBody>
+      </p:sp>
+      <p:sp>
+        <p:nvSpPr>
+          <p:cNvPr id="9" name="TextBox 8"/>
+          <p:cNvSpPr txBox="1"/>
+          <p:nvPr/>
+        </p:nvSpPr>
+        <p:spPr>
+          <a:xfrm>
+            <a:off x="6998565" y="5884056"/>
+            <a:ext cx="350378" cy="369332"/>
+          </a:xfrm>
+          <a:prstGeom prst="rect">
+            <a:avLst/>
+          </a:prstGeom>
+          <a:noFill/>
+        </p:spPr>
+        <p:txBody>
+          <a:bodyPr wrap="square" rtlCol="0">
+            <a:spAutoFit/>
+          </a:bodyPr>
+          <a:lstStyle/>
+          <a:p>
+            <a:r>
+              <a:rPr lang="hr-HR" b="1" dirty="0" smtClean="0"/>
+              <a:t>C</a:t>
+            </a:r>
+            <a:endParaRPr lang="hr-HR" b="1" dirty="0"/>
+          </a:p>
+        </p:txBody>
+      </p:sp>
+      <p:sp>
+        <p:nvSpPr>
+          <p:cNvPr id="10" name="TextBox 9"/>
+          <p:cNvSpPr txBox="1"/>
+          <p:nvPr/>
+        </p:nvSpPr>
+        <p:spPr>
+          <a:xfrm>
+            <a:off x="5113238" y="3452301"/>
+            <a:ext cx="350378" cy="369332"/>
+          </a:xfrm>
+          <a:prstGeom prst="rect">
+            <a:avLst/>
+          </a:prstGeom>
+          <a:noFill/>
+        </p:spPr>
+        <p:txBody>
+          <a:bodyPr wrap="square" rtlCol="0">
+            <a:spAutoFit/>
+          </a:bodyPr>
+          <a:lstStyle/>
+          <a:p>
+            <a:r>
+              <a:rPr lang="hr-HR" b="1" dirty="0" smtClean="0"/>
+              <a:t>B</a:t>
+            </a:r>
+            <a:endParaRPr lang="hr-HR" b="1" dirty="0"/>
+          </a:p>
+        </p:txBody>
+      </p:sp>
+      <p:sp>
+        <p:nvSpPr>
+          <p:cNvPr id="16" name="TextBox 15"/>
+          <p:cNvSpPr txBox="1"/>
+          <p:nvPr/>
+        </p:nvSpPr>
+        <p:spPr>
+          <a:xfrm>
+            <a:off x="405925" y="3578804"/>
+            <a:ext cx="863125" cy="584775"/>
+          </a:xfrm>
+          <a:prstGeom prst="rect">
+            <a:avLst/>
+          </a:prstGeom>
+          <a:noFill/>
+        </p:spPr>
+        <p:txBody>
+          <a:bodyPr wrap="square" rtlCol="0">
+            <a:spAutoFit/>
+          </a:bodyPr>
+          <a:lstStyle/>
+          <a:p>
+            <a:r>
+              <a:rPr lang="hr-HR" sz="1600" dirty="0" smtClean="0"/>
+              <a:t>Vidljivi</a:t>
+            </a:r>
+            <a:br>
+              <a:rPr lang="hr-HR" sz="1600" dirty="0" smtClean="0"/>
+            </a:br>
+            <a:r>
+              <a:rPr lang="hr-HR" sz="1600" dirty="0" smtClean="0"/>
+              <a:t>Dronovi</a:t>
+            </a:r>
+            <a:endParaRPr lang="hr-HR" sz="1600" dirty="0"/>
+          </a:p>
+        </p:txBody>
+      </p:sp>
+      <mc:AlternateContent xmlns:mc="http://schemas.openxmlformats.org/markup-compatibility/2006" xmlns:a14="http://schemas.microsoft.com/office/drawing/2010/main">
+        <mc:Choice Requires="a14">
+          <p:sp>
+            <p:nvSpPr>
+              <p:cNvPr id="26" name="Rectangle 25"/>
+              <p:cNvSpPr/>
+              <p:nvPr/>
+            </p:nvSpPr>
+            <p:spPr>
+              <a:xfrm>
+                <a:off x="326221" y="6068722"/>
+                <a:ext cx="3122009" cy="511807"/>
+              </a:xfrm>
+              <a:prstGeom prst="rect">
+                <a:avLst/>
+              </a:prstGeom>
+            </p:spPr>
+            <p:txBody>
+              <a:bodyPr wrap="none">
+                <a:spAutoFit/>
+              </a:bodyPr>
+              <a:lstStyle/>
+              <a:p>
+                <a:pPr/>
+                <a14:m>
+                  <m:oMathPara xmlns:m="http://schemas.openxmlformats.org/officeDocument/2006/math">
+                    <m:oMathParaPr>
+                      <m:jc m:val="centerGroup"/>
+                    </m:oMathParaPr>
+                    <m:oMath xmlns:m="http://schemas.openxmlformats.org/officeDocument/2006/math">
+                      <m:r>
+                        <a:rPr lang="hr-HR" i="1">
+                          <a:latin typeface="Cambria Math" panose="02040503050406030204" pitchFamily="18" charset="0"/>
+                        </a:rPr>
+                        <m:t>𝑟</m:t>
+                      </m:r>
+                      <m:r>
+                        <a:rPr lang="hr-HR" i="1">
+                          <a:latin typeface="Cambria Math" panose="02040503050406030204" pitchFamily="18" charset="0"/>
+                        </a:rPr>
+                        <m:t>=</m:t>
+                      </m:r>
+                      <m:sSup>
+                        <m:sSupPr>
+                          <m:ctrlPr>
+                            <a:rPr lang="hr-HR" i="1">
+                              <a:latin typeface="Cambria Math" panose="02040503050406030204" pitchFamily="18" charset="0"/>
+                            </a:rPr>
+                          </m:ctrlPr>
+                        </m:sSupPr>
+                        <m:e>
+                          <m:r>
+                            <a:rPr lang="hr-HR" i="1">
+                              <a:latin typeface="Cambria Math" panose="02040503050406030204" pitchFamily="18" charset="0"/>
+                            </a:rPr>
+                            <m:t>10</m:t>
+                          </m:r>
+                        </m:e>
+                        <m:sup>
+                          <m:f>
+                            <m:fPr>
+                              <m:ctrlPr>
+                                <a:rPr lang="hr-HR" i="1">
+                                  <a:latin typeface="Cambria Math" panose="02040503050406030204" pitchFamily="18" charset="0"/>
+                                </a:rPr>
+                              </m:ctrlPr>
+                            </m:fPr>
+                            <m:num>
+                              <m:func>
+                                <m:funcPr>
+                                  <m:ctrlPr>
+                                    <a:rPr lang="hr-HR" i="1">
+                                      <a:latin typeface="Cambria Math" panose="02040503050406030204" pitchFamily="18" charset="0"/>
+                                    </a:rPr>
+                                  </m:ctrlPr>
+                                </m:funcPr>
+                                <m:fName>
+                                  <m:r>
+                                    <m:rPr>
+                                      <m:sty m:val="p"/>
+                                    </m:rPr>
+                                    <a:rPr lang="hr-HR">
+                                      <a:latin typeface="Cambria Math" panose="02040503050406030204" pitchFamily="18" charset="0"/>
+                                    </a:rPr>
+                                    <m:t>ln</m:t>
+                                  </m:r>
+                                </m:fName>
+                                <m:e>
+                                  <m:r>
+                                    <a:rPr lang="hr-HR" i="1">
+                                      <a:latin typeface="Cambria Math" panose="02040503050406030204" pitchFamily="18" charset="0"/>
+                                    </a:rPr>
+                                    <m:t>(10)</m:t>
+                                  </m:r>
+                                </m:e>
+                              </m:func>
+                              <m:r>
+                                <a:rPr lang="hr-HR" i="1">
+                                  <a:latin typeface="Cambria Math" panose="02040503050406030204" pitchFamily="18" charset="0"/>
+                                </a:rPr>
+                                <m:t>×(</m:t>
+                              </m:r>
+                              <m:r>
+                                <a:rPr lang="hr-HR" i="1">
+                                  <a:latin typeface="Cambria Math" panose="02040503050406030204" pitchFamily="18" charset="0"/>
+                                </a:rPr>
+                                <m:t>𝑇</m:t>
+                              </m:r>
+                              <m:r>
+                                <a:rPr lang="hr-HR" i="1">
+                                  <a:latin typeface="Cambria Math" panose="02040503050406030204" pitchFamily="18" charset="0"/>
+                                </a:rPr>
+                                <m:t>−</m:t>
+                              </m:r>
+                              <m:r>
+                                <a:rPr lang="hr-HR" i="1">
+                                  <a:latin typeface="Cambria Math" panose="02040503050406030204" pitchFamily="18" charset="0"/>
+                                </a:rPr>
+                                <m:t>𝑅</m:t>
+                              </m:r>
+                              <m:r>
+                                <a:rPr lang="hr-HR" i="1">
+                                  <a:latin typeface="Cambria Math" panose="02040503050406030204" pitchFamily="18" charset="0"/>
+                                </a:rPr>
+                                <m:t>−</m:t>
+                              </m:r>
+                              <m:r>
+                                <a:rPr lang="hr-HR" i="1">
+                                  <a:latin typeface="Cambria Math" panose="02040503050406030204" pitchFamily="18" charset="0"/>
+                                </a:rPr>
+                                <m:t>𝐾</m:t>
+                              </m:r>
+                              <m:r>
+                                <a:rPr lang="hr-HR" i="1">
+                                  <a:latin typeface="Cambria Math" panose="02040503050406030204" pitchFamily="18" charset="0"/>
+                                </a:rPr>
+                                <m:t>−20</m:t>
+                              </m:r>
+                              <m:func>
+                                <m:funcPr>
+                                  <m:ctrlPr>
+                                    <a:rPr lang="hr-HR" i="1">
+                                      <a:latin typeface="Cambria Math" panose="02040503050406030204" pitchFamily="18" charset="0"/>
+                                    </a:rPr>
+                                  </m:ctrlPr>
+                                </m:funcPr>
+                                <m:fName>
+                                  <m:r>
+                                    <m:rPr>
+                                      <m:sty m:val="p"/>
+                                    </m:rPr>
+                                    <a:rPr lang="hr-HR">
+                                      <a:latin typeface="Cambria Math" panose="02040503050406030204" pitchFamily="18" charset="0"/>
+                                    </a:rPr>
+                                    <m:t>log</m:t>
+                                  </m:r>
+                                </m:fName>
+                                <m:e>
+                                  <m:r>
+                                    <a:rPr lang="hr-HR" i="1">
+                                      <a:latin typeface="Cambria Math" panose="02040503050406030204" pitchFamily="18" charset="0"/>
+                                    </a:rPr>
+                                    <m:t>(</m:t>
+                                  </m:r>
+                                  <m:r>
+                                    <a:rPr lang="hr-HR" i="1">
+                                      <a:latin typeface="Cambria Math" panose="02040503050406030204" pitchFamily="18" charset="0"/>
+                                    </a:rPr>
+                                    <m:t>𝑓</m:t>
+                                  </m:r>
+                                  <m:r>
+                                    <a:rPr lang="hr-HR" i="1">
+                                      <a:latin typeface="Cambria Math" panose="02040503050406030204" pitchFamily="18" charset="0"/>
+                                    </a:rPr>
+                                    <m:t>))</m:t>
+                                  </m:r>
+                                </m:e>
+                              </m:func>
+                            </m:num>
+                            <m:den>
+                              <m:r>
+                                <a:rPr lang="hr-HR" i="1">
+                                  <a:latin typeface="Cambria Math" panose="02040503050406030204" pitchFamily="18" charset="0"/>
+                                </a:rPr>
+                                <m:t>10</m:t>
+                              </m:r>
+                              <m:r>
+                                <a:rPr lang="hr-HR" i="1">
+                                  <a:latin typeface="Cambria Math" panose="02040503050406030204" pitchFamily="18" charset="0"/>
+                                </a:rPr>
+                                <m:t>𝑛</m:t>
+                              </m:r>
+                            </m:den>
+                          </m:f>
+                        </m:sup>
+                      </m:sSup>
+                    </m:oMath>
+                  </m:oMathPara>
+                </a14:m>
+                <a:endParaRPr lang="hr-HR" dirty="0"/>
+              </a:p>
+            </p:txBody>
+          </p:sp>
+        </mc:Choice>
+        <mc:Fallback xmlns="">
+          <p:sp>
+            <p:nvSpPr>
+              <p:cNvPr id="26" name="Rectangle 25"/>
+              <p:cNvSpPr>
+                <a:spLocks noRot="1" noChangeAspect="1" noMove="1" noResize="1" noEditPoints="1" noAdjustHandles="1" noChangeArrowheads="1" noChangeShapeType="1" noTextEdit="1"/>
+              </p:cNvSpPr>
+              <p:nvPr/>
+            </p:nvSpPr>
+            <p:spPr>
+              <a:xfrm>
+                <a:off x="326221" y="6068722"/>
+                <a:ext cx="3122009" cy="511807"/>
+              </a:xfrm>
+              <a:prstGeom prst="rect">
+                <a:avLst/>
+              </a:prstGeom>
+              <a:blipFill rotWithShape="0">
+                <a:blip r:embed="rId2"/>
+                <a:stretch>
+                  <a:fillRect/>
+                </a:stretch>
+              </a:blipFill>
+            </p:spPr>
+            <p:txBody>
+              <a:bodyPr/>
+              <a:lstStyle/>
+              <a:p>
+                <a:r>
+                  <a:rPr lang="hr-HR">
+                    <a:noFill/>
+                  </a:rPr>
+                  <a:t> </a:t>
+                </a:r>
+              </a:p>
+            </p:txBody>
+          </p:sp>
+        </mc:Fallback>
+      </mc:AlternateContent>
+      <p:cxnSp>
+        <p:nvCxnSpPr>
+          <p:cNvPr id="28" name="Straight Connector 27"/>
+          <p:cNvCxnSpPr>
+            <a:stCxn id="7" idx="1"/>
+            <a:endCxn id="5" idx="5"/>
+          </p:cNvCxnSpPr>
+          <p:nvPr/>
+        </p:nvCxnSpPr>
+        <p:spPr>
+          <a:xfrm flipV="1">
+            <a:off x="3600892" y="3945316"/>
+            <a:ext cx="1399563" cy="1247419"/>
+          </a:xfrm>
+          <a:prstGeom prst="line">
+            <a:avLst/>
+          </a:prstGeom>
+          <a:ln w="38100">
+            <a:solidFill>
+              <a:schemeClr val="tx1">
+                <a:lumMod val="95000"/>
+                <a:lumOff val="5000"/>
+              </a:schemeClr>
+            </a:solidFill>
+          </a:ln>
+        </p:spPr>
+        <p:style>
+          <a:lnRef idx="1">
+            <a:schemeClr val="accent1"/>
+          </a:lnRef>
+          <a:fillRef idx="0">
+            <a:schemeClr val="accent1"/>
+          </a:fillRef>
+          <a:effectRef idx="0">
+            <a:schemeClr val="accent1"/>
+          </a:effectRef>
+          <a:fontRef idx="minor">
+            <a:schemeClr val="tx1"/>
+          </a:fontRef>
+        </p:style>
+      </p:cxnSp>
+      <p:sp>
+        <p:nvSpPr>
+          <p:cNvPr id="29" name="TextBox 28"/>
+          <p:cNvSpPr txBox="1"/>
+          <p:nvPr/>
+        </p:nvSpPr>
+        <p:spPr>
+          <a:xfrm>
+            <a:off x="4125484" y="4215911"/>
+            <a:ext cx="350378" cy="369332"/>
+          </a:xfrm>
+          <a:prstGeom prst="rect">
+            <a:avLst/>
+          </a:prstGeom>
+          <a:noFill/>
+        </p:spPr>
+        <p:txBody>
+          <a:bodyPr wrap="square" rtlCol="0">
+            <a:spAutoFit/>
+          </a:bodyPr>
+          <a:lstStyle/>
+          <a:p>
+            <a:r>
+              <a:rPr lang="hr-HR" b="1" dirty="0" smtClean="0"/>
+              <a:t>r</a:t>
+            </a:r>
+            <a:endParaRPr lang="hr-HR" b="1" dirty="0"/>
+          </a:p>
+        </p:txBody>
+      </p:sp>
+      <p:grpSp>
+        <p:nvGrpSpPr>
+          <p:cNvPr id="31" name="Group 30"/>
+          <p:cNvGrpSpPr/>
+          <p:nvPr/>
+        </p:nvGrpSpPr>
+        <p:grpSpPr>
+          <a:xfrm>
+            <a:off x="418744" y="4161550"/>
+            <a:ext cx="1124306" cy="1039752"/>
+            <a:chOff x="418744" y="4161550"/>
+            <a:chExt cx="1124306" cy="1039752"/>
+          </a:xfrm>
+        </p:grpSpPr>
+        <p:sp>
+          <p:nvSpPr>
+            <p:cNvPr id="32" name="Rectangle 31"/>
+            <p:cNvSpPr/>
+            <p:nvPr/>
+          </p:nvSpPr>
+          <p:spPr>
+            <a:xfrm>
+              <a:off x="418744" y="4681426"/>
+              <a:ext cx="1124306" cy="519876"/>
+            </a:xfrm>
+            <a:prstGeom prst="rect">
+              <a:avLst/>
+            </a:prstGeom>
+            <a:solidFill>
+              <a:schemeClr val="accent5">
+                <a:lumMod val="60000"/>
+                <a:lumOff val="40000"/>
+              </a:schemeClr>
+            </a:solidFill>
+            <a:ln>
+              <a:solidFill>
+                <a:schemeClr val="accent1">
+                  <a:lumMod val="75000"/>
+                </a:schemeClr>
+              </a:solidFill>
+            </a:ln>
+          </p:spPr>
+          <p:style>
+            <a:lnRef idx="2">
+              <a:schemeClr val="accent1">
+                <a:shade val="50000"/>
+              </a:schemeClr>
+            </a:lnRef>
+            <a:fillRef idx="1">
+              <a:schemeClr val="accent1"/>
+            </a:fillRef>
+            <a:effectRef idx="0">
+              <a:schemeClr val="accent1"/>
+            </a:effectRef>
+            <a:fontRef idx="minor">
+              <a:schemeClr val="lt1"/>
+            </a:fontRef>
+          </p:style>
+          <p:txBody>
+            <a:bodyPr rtlCol="0" anchor="ctr"/>
+            <a:lstStyle/>
+            <a:p>
+              <a:pPr algn="ctr"/>
+              <a:endParaRPr lang="hr-HR"/>
+            </a:p>
+          </p:txBody>
+        </p:sp>
+        <p:sp>
+          <p:nvSpPr>
+            <p:cNvPr id="33" name="Rectangle 32"/>
+            <p:cNvSpPr/>
+            <p:nvPr/>
+          </p:nvSpPr>
+          <p:spPr>
+            <a:xfrm>
+              <a:off x="418744" y="4161550"/>
+              <a:ext cx="1124306" cy="519876"/>
+            </a:xfrm>
+            <a:prstGeom prst="rect">
+              <a:avLst/>
+            </a:prstGeom>
+            <a:solidFill>
+              <a:schemeClr val="accent5">
+                <a:lumMod val="60000"/>
+                <a:lumOff val="40000"/>
+              </a:schemeClr>
+            </a:solidFill>
+            <a:ln>
+              <a:solidFill>
+                <a:schemeClr val="accent1">
+                  <a:lumMod val="75000"/>
+                </a:schemeClr>
+              </a:solidFill>
+            </a:ln>
+          </p:spPr>
+          <p:style>
+            <a:lnRef idx="2">
+              <a:schemeClr val="accent1">
+                <a:shade val="50000"/>
+              </a:schemeClr>
+            </a:lnRef>
+            <a:fillRef idx="1">
+              <a:schemeClr val="accent1"/>
+            </a:fillRef>
+            <a:effectRef idx="0">
+              <a:schemeClr val="accent1"/>
+            </a:effectRef>
+            <a:fontRef idx="minor">
+              <a:schemeClr val="lt1"/>
+            </a:fontRef>
+          </p:style>
+          <p:txBody>
+            <a:bodyPr rtlCol="0" anchor="ctr"/>
+            <a:lstStyle/>
+            <a:p>
+              <a:pPr algn="ctr"/>
+              <a:endParaRPr lang="hr-HR"/>
+            </a:p>
+          </p:txBody>
+        </p:sp>
+      </p:grpSp>
+      <p:sp>
+        <p:nvSpPr>
+          <p:cNvPr id="34" name="TextBox 33"/>
+          <p:cNvSpPr txBox="1"/>
+          <p:nvPr/>
+        </p:nvSpPr>
+        <p:spPr>
+          <a:xfrm>
+            <a:off x="405925" y="4113866"/>
+            <a:ext cx="714289" cy="369332"/>
+          </a:xfrm>
+          <a:prstGeom prst="rect">
+            <a:avLst/>
+          </a:prstGeom>
+          <a:noFill/>
+        </p:spPr>
+        <p:txBody>
+          <a:bodyPr wrap="square" rtlCol="0">
+            <a:spAutoFit/>
+          </a:bodyPr>
+          <a:lstStyle/>
+          <a:p>
+            <a:r>
+              <a:rPr lang="hr-HR" b="1" dirty="0" smtClean="0"/>
+              <a:t>B (R)</a:t>
+            </a:r>
+            <a:endParaRPr lang="hr-HR" b="1" dirty="0"/>
+          </a:p>
+        </p:txBody>
+      </p:sp>
+      <p:sp>
+        <p:nvSpPr>
+          <p:cNvPr id="35" name="TextBox 34"/>
+          <p:cNvSpPr txBox="1"/>
+          <p:nvPr/>
+        </p:nvSpPr>
+        <p:spPr>
+          <a:xfrm>
+            <a:off x="405925" y="4659283"/>
+            <a:ext cx="652688" cy="369332"/>
+          </a:xfrm>
+          <a:prstGeom prst="rect">
+            <a:avLst/>
+          </a:prstGeom>
+          <a:noFill/>
+        </p:spPr>
+        <p:txBody>
+          <a:bodyPr wrap="square" rtlCol="0">
+            <a:spAutoFit/>
+          </a:bodyPr>
+          <a:lstStyle/>
+          <a:p>
+            <a:r>
+              <a:rPr lang="hr-HR" b="1" dirty="0" smtClean="0"/>
+              <a:t>C (R)</a:t>
+            </a:r>
+            <a:endParaRPr lang="hr-HR" b="1" dirty="0"/>
+          </a:p>
+        </p:txBody>
+      </p:sp>
+      <p:sp>
+        <p:nvSpPr>
+          <p:cNvPr id="30" name="TextBox 29"/>
+          <p:cNvSpPr txBox="1"/>
+          <p:nvPr/>
+        </p:nvSpPr>
+        <p:spPr>
+          <a:xfrm>
+            <a:off x="405925" y="4113866"/>
+            <a:ext cx="1072355" cy="646331"/>
+          </a:xfrm>
+          <a:prstGeom prst="rect">
+            <a:avLst/>
+          </a:prstGeom>
+          <a:noFill/>
+        </p:spPr>
+        <p:txBody>
+          <a:bodyPr wrap="square" rtlCol="0">
+            <a:spAutoFit/>
+          </a:bodyPr>
+          <a:lstStyle/>
+          <a:p>
+            <a:r>
+              <a:rPr lang="hr-HR" b="1" dirty="0" smtClean="0"/>
+              <a:t>B (R, r, x, y, gX, gY)</a:t>
+            </a:r>
+            <a:endParaRPr lang="hr-HR" b="1" dirty="0"/>
+          </a:p>
+        </p:txBody>
+      </p:sp>
+    </p:spTree>
+    <p:extLst>
+      <p:ext uri="{BB962C8B-B14F-4D97-AF65-F5344CB8AC3E}">
+        <p14:creationId xmlns:p14="http://schemas.microsoft.com/office/powerpoint/2010/main" val="2377207708"/>
+      </p:ext>
+    </p:extLst>
+  </p:cSld>
+  <p:clrMapOvr>
+    <a:masterClrMapping/>
+  </p:clrMapOvr>
+  <mc:AlternateContent xmlns:mc="http://schemas.openxmlformats.org/markup-compatibility/2006" xmlns:p14="http://schemas.microsoft.com/office/powerpoint/2010/main">
+    <mc:Choice Requires="p14">
+      <p:transition spd="slow" p14:dur="2000"/>
+    </mc:Choice>
+    <mc:Fallback xmlns="">
+      <p:transition spd="slow"/>
+    </mc:Fallback>
+  </mc:AlternateContent>
+  <p:timing>
+    <p:tnLst>
+      <p:par>
+        <p:cTn id="1" dur="indefinite" restart="never" nodeType="tmRoot">
+          <p:childTnLst>
+            <p:seq concurrent="1" nextAc="seek">
+              <p:cTn id="2" dur="indefinite" nodeType="mainSeq">
+                <p:childTnLst>
+                  <p:par>
+                    <p:cTn id="3" fill="hold">
+                      <p:stCondLst>
+                        <p:cond delay="indefinite"/>
+                      </p:stCondLst>
+                      <p:childTnLst>
+                        <p:par>
+                          <p:cTn id="4" fill="hold">
+                            <p:stCondLst>
+                              <p:cond delay="0"/>
+                            </p:stCondLst>
+                            <p:childTnLst>
+                              <p:par>
+                                <p:cTn id="5" presetID="22" presetClass="entr" presetSubtype="8" fill="hold" grpId="0" nodeType="clickEffect">
+                                  <p:stCondLst>
+                                    <p:cond delay="0"/>
+                                  </p:stCondLst>
+                                  <p:childTnLst>
+                                    <p:set>
+                                      <p:cBhvr>
+                                        <p:cTn id="6" dur="1" fill="hold">
+                                          <p:stCondLst>
+                                            <p:cond delay="0"/>
+                                          </p:stCondLst>
+                                        </p:cTn>
+                                        <p:tgtEl>
+                                          <p:spTgt spid="26"/>
+                                        </p:tgtEl>
+                                        <p:attrNameLst>
+                                          <p:attrName>style.visibility</p:attrName>
+                                        </p:attrNameLst>
+                                      </p:cBhvr>
+                                      <p:to>
+                                        <p:strVal val="visible"/>
+                                      </p:to>
+                                    </p:set>
+                                    <p:animEffect transition="in" filter="wipe(left)">
+                                      <p:cBhvr>
+                                        <p:cTn id="7" dur="500"/>
+                                        <p:tgtEl>
+                                          <p:spTgt spid="26"/>
+                                        </p:tgtEl>
+                                      </p:cBhvr>
+                                    </p:animEffect>
+                                  </p:childTnLst>
+                                </p:cTn>
+                              </p:par>
+                            </p:childTnLst>
+                          </p:cTn>
+                        </p:par>
+                      </p:childTnLst>
+                    </p:cTn>
+                  </p:par>
+                  <p:par>
+                    <p:cTn id="8" fill="hold">
+                      <p:stCondLst>
+                        <p:cond delay="indefinite"/>
+                      </p:stCondLst>
+                      <p:childTnLst>
+                        <p:par>
+                          <p:cTn id="9" fill="hold">
+                            <p:stCondLst>
+                              <p:cond delay="0"/>
+                            </p:stCondLst>
+                            <p:childTnLst>
+                              <p:par>
+                                <p:cTn id="10" presetID="22" presetClass="entr" presetSubtype="4" fill="hold" nodeType="clickEffect">
+                                  <p:stCondLst>
+                                    <p:cond delay="0"/>
+                                  </p:stCondLst>
+                                  <p:childTnLst>
+                                    <p:set>
+                                      <p:cBhvr>
+                                        <p:cTn id="11" dur="1" fill="hold">
+                                          <p:stCondLst>
+                                            <p:cond delay="0"/>
+                                          </p:stCondLst>
+                                        </p:cTn>
+                                        <p:tgtEl>
+                                          <p:spTgt spid="28"/>
+                                        </p:tgtEl>
+                                        <p:attrNameLst>
+                                          <p:attrName>style.visibility</p:attrName>
+                                        </p:attrNameLst>
+                                      </p:cBhvr>
+                                      <p:to>
+                                        <p:strVal val="visible"/>
+                                      </p:to>
+                                    </p:set>
+                                    <p:animEffect transition="in" filter="wipe(down)">
+                                      <p:cBhvr>
+                                        <p:cTn id="12" dur="500"/>
+                                        <p:tgtEl>
+                                          <p:spTgt spid="28"/>
+                                        </p:tgtEl>
+                                      </p:cBhvr>
+                                    </p:animEffect>
+                                  </p:childTnLst>
+                                </p:cTn>
+                              </p:par>
+                              <p:par>
+                                <p:cTn id="13" presetID="10" presetClass="entr" presetSubtype="0" fill="hold" grpId="0" nodeType="withEffect">
+                                  <p:stCondLst>
+                                    <p:cond delay="0"/>
+                                  </p:stCondLst>
+                                  <p:childTnLst>
+                                    <p:set>
+                                      <p:cBhvr>
+                                        <p:cTn id="14" dur="1" fill="hold">
+                                          <p:stCondLst>
+                                            <p:cond delay="0"/>
+                                          </p:stCondLst>
+                                        </p:cTn>
+                                        <p:tgtEl>
+                                          <p:spTgt spid="29"/>
+                                        </p:tgtEl>
+                                        <p:attrNameLst>
+                                          <p:attrName>style.visibility</p:attrName>
+                                        </p:attrNameLst>
+                                      </p:cBhvr>
+                                      <p:to>
+                                        <p:strVal val="visible"/>
+                                      </p:to>
+                                    </p:set>
+                                    <p:animEffect transition="in" filter="fade">
+                                      <p:cBhvr>
+                                        <p:cTn id="15" dur="500"/>
+                                        <p:tgtEl>
+                                          <p:spTgt spid="29"/>
+                                        </p:tgtEl>
+                                      </p:cBhvr>
+                                    </p:animEffect>
+                                  </p:childTnLst>
+                                </p:cTn>
+                              </p:par>
+                            </p:childTnLst>
+                          </p:cTn>
+                        </p:par>
+                      </p:childTnLst>
+                    </p:cTn>
+                  </p:par>
+                  <p:par>
+                    <p:cTn id="16" fill="hold">
+                      <p:stCondLst>
+                        <p:cond delay="indefinite"/>
+                      </p:stCondLst>
+                      <p:childTnLst>
+                        <p:par>
+                          <p:cTn id="17" fill="hold">
+                            <p:stCondLst>
+                              <p:cond delay="0"/>
+                            </p:stCondLst>
+                            <p:childTnLst>
+                              <p:par>
+                                <p:cTn id="18" presetID="10" presetClass="entr" presetSubtype="0" fill="hold" nodeType="clickEffect">
+                                  <p:stCondLst>
+                                    <p:cond delay="0"/>
+                                  </p:stCondLst>
+                                  <p:childTnLst>
+                                    <p:set>
+                                      <p:cBhvr>
+                                        <p:cTn id="19" dur="1" fill="hold">
+                                          <p:stCondLst>
+                                            <p:cond delay="0"/>
+                                          </p:stCondLst>
+                                        </p:cTn>
+                                        <p:tgtEl>
+                                          <p:spTgt spid="3">
+                                            <p:txEl>
+                                              <p:pRg st="3" end="3"/>
+                                            </p:txEl>
+                                          </p:spTgt>
+                                        </p:tgtEl>
+                                        <p:attrNameLst>
+                                          <p:attrName>style.visibility</p:attrName>
+                                        </p:attrNameLst>
+                                      </p:cBhvr>
+                                      <p:to>
+                                        <p:strVal val="visible"/>
+                                      </p:to>
+                                    </p:set>
+                                    <p:animEffect transition="in" filter="fade">
+                                      <p:cBhvr>
+                                        <p:cTn id="20" dur="500"/>
+                                        <p:tgtEl>
+                                          <p:spTgt spid="3">
+                                            <p:txEl>
+                                              <p:pRg st="3" end="3"/>
+                                            </p:txEl>
+                                          </p:spTgt>
+                                        </p:tgtEl>
+                                      </p:cBhvr>
+                                    </p:animEffect>
+                                  </p:childTnLst>
+                                </p:cTn>
+                              </p:par>
+                            </p:childTnLst>
+                          </p:cTn>
+                        </p:par>
+                      </p:childTnLst>
+                    </p:cTn>
+                  </p:par>
+                  <p:par>
+                    <p:cTn id="21" fill="hold">
+                      <p:stCondLst>
+                        <p:cond delay="indefinite"/>
+                      </p:stCondLst>
+                      <p:childTnLst>
+                        <p:par>
+                          <p:cTn id="22" fill="hold">
+                            <p:stCondLst>
+                              <p:cond delay="0"/>
+                            </p:stCondLst>
+                            <p:childTnLst>
+                              <p:par>
+                                <p:cTn id="23" presetID="1" presetClass="exit" presetSubtype="0" fill="hold" grpId="0" nodeType="clickEffect">
+                                  <p:stCondLst>
+                                    <p:cond delay="0"/>
+                                  </p:stCondLst>
+                                  <p:childTnLst>
+                                    <p:set>
+                                      <p:cBhvr>
+                                        <p:cTn id="24" dur="1" fill="hold">
+                                          <p:stCondLst>
+                                            <p:cond delay="0"/>
+                                          </p:stCondLst>
+                                        </p:cTn>
+                                        <p:tgtEl>
+                                          <p:spTgt spid="34"/>
+                                        </p:tgtEl>
+                                        <p:attrNameLst>
+                                          <p:attrName>style.visibility</p:attrName>
+                                        </p:attrNameLst>
+                                      </p:cBhvr>
+                                      <p:to>
+                                        <p:strVal val="hidden"/>
+                                      </p:to>
+                                    </p:set>
+                                  </p:childTnLst>
+                                </p:cTn>
+                              </p:par>
+                              <p:par>
+                                <p:cTn id="25" presetID="10" presetClass="entr" presetSubtype="0" fill="hold" grpId="0" nodeType="withEffect">
+                                  <p:stCondLst>
+                                    <p:cond delay="0"/>
+                                  </p:stCondLst>
+                                  <p:childTnLst>
+                                    <p:set>
+                                      <p:cBhvr>
+                                        <p:cTn id="26" dur="1" fill="hold">
+                                          <p:stCondLst>
+                                            <p:cond delay="0"/>
+                                          </p:stCondLst>
+                                        </p:cTn>
+                                        <p:tgtEl>
+                                          <p:spTgt spid="30"/>
+                                        </p:tgtEl>
+                                        <p:attrNameLst>
+                                          <p:attrName>style.visibility</p:attrName>
+                                        </p:attrNameLst>
+                                      </p:cBhvr>
+                                      <p:to>
+                                        <p:strVal val="visible"/>
+                                      </p:to>
+                                    </p:set>
+                                    <p:animEffect transition="in" filter="fade">
+                                      <p:cBhvr>
+                                        <p:cTn id="27" dur="500"/>
+                                        <p:tgtEl>
+                                          <p:spTgt spid="30"/>
+                                        </p:tgtEl>
+                                      </p:cBhvr>
+                                    </p:animEffect>
+                                  </p:childTnLst>
+                                </p:cTn>
+                              </p:par>
+                            </p:childTnLst>
+                          </p:cTn>
+                        </p:par>
+                      </p:childTnLst>
+                    </p:cTn>
+                  </p:par>
+                </p:childTnLst>
+              </p:cTn>
+              <p:prevCondLst>
+                <p:cond evt="onPrev" delay="0">
+                  <p:tgtEl>
+                    <p:sldTgt/>
+                  </p:tgtEl>
+                </p:cond>
+              </p:prevCondLst>
+              <p:nextCondLst>
+                <p:cond evt="onNext" delay="0">
+                  <p:tgtEl>
+                    <p:sldTgt/>
+                  </p:tgtEl>
+                </p:cond>
+              </p:nextCondLst>
+            </p:seq>
+          </p:childTnLst>
+        </p:cTn>
+      </p:par>
+    </p:tnLst>
+    <p:bldLst>
+      <p:bldP spid="26" grpId="0"/>
+      <p:bldP spid="29" grpId="0"/>
+      <p:bldP spid="34" grpId="0"/>
+      <p:bldP spid="30" grpId="0"/>
     </p:bldLst>
   </p:timing>
 </p:sld>
